--- a/proposal-defence/Music-streaming-platform-Project Proposal .pptx
+++ b/proposal-defence/Music-streaming-platform-Project Proposal .pptx
@@ -11,12 +11,14 @@
     <p:sldId id="259" r:id="rId5"/>
     <p:sldId id="260" r:id="rId6"/>
     <p:sldId id="267" r:id="rId7"/>
-    <p:sldId id="261" r:id="rId8"/>
-    <p:sldId id="266" r:id="rId9"/>
-    <p:sldId id="262" r:id="rId10"/>
-    <p:sldId id="263" r:id="rId11"/>
-    <p:sldId id="264" r:id="rId12"/>
-    <p:sldId id="265" r:id="rId13"/>
+    <p:sldId id="269" r:id="rId8"/>
+    <p:sldId id="261" r:id="rId9"/>
+    <p:sldId id="266" r:id="rId10"/>
+    <p:sldId id="262" r:id="rId11"/>
+    <p:sldId id="263" r:id="rId12"/>
+    <p:sldId id="264" r:id="rId13"/>
+    <p:sldId id="265" r:id="rId14"/>
+    <p:sldId id="268" r:id="rId15"/>
   </p:sldIdLst>
   <p:sldSz cx="12192000" cy="6858000"/>
   <p:notesSz cx="6858000" cy="9144000"/>
@@ -270,7 +272,7 @@
           <a:p>
             <a:fld id="{A5ED2C95-D6A9-48CC-8791-DFF947B30217}" type="datetimeFigureOut">
               <a:rPr lang="en-US" smtClean="0"/>
-              <a:t>2/23/2025</a:t>
+              <a:t>2/27/2025</a:t>
             </a:fld>
             <a:endParaRPr lang="en-US"/>
           </a:p>
@@ -468,7 +470,7 @@
           <a:p>
             <a:fld id="{A5ED2C95-D6A9-48CC-8791-DFF947B30217}" type="datetimeFigureOut">
               <a:rPr lang="en-US" smtClean="0"/>
-              <a:t>2/23/2025</a:t>
+              <a:t>2/27/2025</a:t>
             </a:fld>
             <a:endParaRPr lang="en-US"/>
           </a:p>
@@ -676,7 +678,7 @@
           <a:p>
             <a:fld id="{A5ED2C95-D6A9-48CC-8791-DFF947B30217}" type="datetimeFigureOut">
               <a:rPr lang="en-US" smtClean="0"/>
-              <a:t>2/23/2025</a:t>
+              <a:t>2/27/2025</a:t>
             </a:fld>
             <a:endParaRPr lang="en-US"/>
           </a:p>
@@ -874,7 +876,7 @@
           <a:p>
             <a:fld id="{A5ED2C95-D6A9-48CC-8791-DFF947B30217}" type="datetimeFigureOut">
               <a:rPr lang="en-US" smtClean="0"/>
-              <a:t>2/23/2025</a:t>
+              <a:t>2/27/2025</a:t>
             </a:fld>
             <a:endParaRPr lang="en-US"/>
           </a:p>
@@ -1149,7 +1151,7 @@
           <a:p>
             <a:fld id="{A5ED2C95-D6A9-48CC-8791-DFF947B30217}" type="datetimeFigureOut">
               <a:rPr lang="en-US" smtClean="0"/>
-              <a:t>2/23/2025</a:t>
+              <a:t>2/27/2025</a:t>
             </a:fld>
             <a:endParaRPr lang="en-US"/>
           </a:p>
@@ -1414,7 +1416,7 @@
           <a:p>
             <a:fld id="{A5ED2C95-D6A9-48CC-8791-DFF947B30217}" type="datetimeFigureOut">
               <a:rPr lang="en-US" smtClean="0"/>
-              <a:t>2/23/2025</a:t>
+              <a:t>2/27/2025</a:t>
             </a:fld>
             <a:endParaRPr lang="en-US"/>
           </a:p>
@@ -1826,7 +1828,7 @@
           <a:p>
             <a:fld id="{A5ED2C95-D6A9-48CC-8791-DFF947B30217}" type="datetimeFigureOut">
               <a:rPr lang="en-US" smtClean="0"/>
-              <a:t>2/23/2025</a:t>
+              <a:t>2/27/2025</a:t>
             </a:fld>
             <a:endParaRPr lang="en-US"/>
           </a:p>
@@ -1967,7 +1969,7 @@
           <a:p>
             <a:fld id="{A5ED2C95-D6A9-48CC-8791-DFF947B30217}" type="datetimeFigureOut">
               <a:rPr lang="en-US" smtClean="0"/>
-              <a:t>2/23/2025</a:t>
+              <a:t>2/27/2025</a:t>
             </a:fld>
             <a:endParaRPr lang="en-US"/>
           </a:p>
@@ -2080,7 +2082,7 @@
           <a:p>
             <a:fld id="{A5ED2C95-D6A9-48CC-8791-DFF947B30217}" type="datetimeFigureOut">
               <a:rPr lang="en-US" smtClean="0"/>
-              <a:t>2/23/2025</a:t>
+              <a:t>2/27/2025</a:t>
             </a:fld>
             <a:endParaRPr lang="en-US"/>
           </a:p>
@@ -2391,7 +2393,7 @@
           <a:p>
             <a:fld id="{A5ED2C95-D6A9-48CC-8791-DFF947B30217}" type="datetimeFigureOut">
               <a:rPr lang="en-US" smtClean="0"/>
-              <a:t>2/23/2025</a:t>
+              <a:t>2/27/2025</a:t>
             </a:fld>
             <a:endParaRPr lang="en-US"/>
           </a:p>
@@ -2679,7 +2681,7 @@
           <a:p>
             <a:fld id="{A5ED2C95-D6A9-48CC-8791-DFF947B30217}" type="datetimeFigureOut">
               <a:rPr lang="en-US" smtClean="0"/>
-              <a:t>2/23/2025</a:t>
+              <a:t>2/27/2025</a:t>
             </a:fld>
             <a:endParaRPr lang="en-US"/>
           </a:p>
@@ -2920,7 +2922,7 @@
           <a:p>
             <a:fld id="{A5ED2C95-D6A9-48CC-8791-DFF947B30217}" type="datetimeFigureOut">
               <a:rPr lang="en-US" smtClean="0"/>
-              <a:t>2/23/2025</a:t>
+              <a:t>2/27/2025</a:t>
             </a:fld>
             <a:endParaRPr lang="en-US"/>
           </a:p>
@@ -3339,89 +3341,1286 @@
       </p:grpSpPr>
       <p:sp>
         <p:nvSpPr>
-          <p:cNvPr id="2" name="Title 1">
-            <a:extLst>
-              <a:ext uri="{FF2B5EF4-FFF2-40B4-BE49-F238E27FC236}">
-                <a16:creationId xmlns:a16="http://schemas.microsoft.com/office/drawing/2014/main" id="{844A31AD-666C-4AB0-A1E8-B2CA419727B3}"/>
-              </a:ext>
-            </a:extLst>
-          </p:cNvPr>
-          <p:cNvSpPr>
-            <a:spLocks noGrp="1"/>
-          </p:cNvSpPr>
-          <p:nvPr>
-            <p:ph type="ctrTitle"/>
-          </p:nvPr>
-        </p:nvSpPr>
-        <p:spPr/>
-        <p:txBody>
-          <a:bodyPr/>
+          <p:cNvPr id="8" name="Rectangle 2">
+            <a:extLst>
+              <a:ext uri="{FF2B5EF4-FFF2-40B4-BE49-F238E27FC236}">
+                <a16:creationId xmlns:a16="http://schemas.microsoft.com/office/drawing/2014/main" id="{1BAF9289-7DE4-4B1F-B7D2-5025D02F8840}"/>
+              </a:ext>
+            </a:extLst>
+          </p:cNvPr>
+          <p:cNvSpPr>
+            <a:spLocks noChangeArrowheads="1"/>
+          </p:cNvSpPr>
+          <p:nvPr/>
+        </p:nvSpPr>
+        <p:spPr bwMode="auto">
+          <a:xfrm>
+            <a:off x="4040931" y="1471280"/>
+            <a:ext cx="4260274" cy="707886"/>
+          </a:xfrm>
+          <a:prstGeom prst="rect">
+            <a:avLst/>
+          </a:prstGeom>
+          <a:noFill/>
+          <a:ln>
+            <a:noFill/>
+          </a:ln>
+          <a:effectLst/>
+          <a:extLst>
+            <a:ext uri="{909E8E84-426E-40DD-AFC4-6F175D3DCCD1}">
+              <a14:hiddenFill xmlns:a14="http://schemas.microsoft.com/office/drawing/2010/main">
+                <a:solidFill>
+                  <a:schemeClr val="accent1"/>
+                </a:solidFill>
+              </a14:hiddenFill>
+            </a:ext>
+            <a:ext uri="{91240B29-F687-4F45-9708-019B960494DF}">
+              <a14:hiddenLine xmlns:a14="http://schemas.microsoft.com/office/drawing/2010/main" w="9525">
+                <a:solidFill>
+                  <a:schemeClr val="tx1"/>
+                </a:solidFill>
+                <a:miter lim="800000"/>
+                <a:headEnd/>
+                <a:tailEnd/>
+              </a14:hiddenLine>
+            </a:ext>
+            <a:ext uri="{AF507438-7753-43E0-B8FC-AC1667EBCBE1}">
+              <a14:hiddenEffects xmlns:a14="http://schemas.microsoft.com/office/drawing/2010/main">
+                <a:effectLst>
+                  <a:outerShdw dist="35921" dir="2700000" algn="ctr" rotWithShape="0">
+                    <a:schemeClr val="bg2"/>
+                  </a:outerShdw>
+                </a:effectLst>
+              </a14:hiddenEffects>
+            </a:ext>
+          </a:extLst>
+        </p:spPr>
+        <p:txBody>
+          <a:bodyPr vert="horz" wrap="square" lIns="91440" tIns="45720" rIns="91440" bIns="45720" numCol="1" anchor="ctr" anchorCtr="0" compatLnSpc="1">
+            <a:prstTxWarp prst="textNoShape">
+              <a:avLst/>
+            </a:prstTxWarp>
+            <a:spAutoFit/>
+          </a:bodyPr>
+          <a:lstStyle>
+            <a:lvl1pPr eaLnBrk="0" fontAlgn="base" hangingPunct="0">
+              <a:spcBef>
+                <a:spcPct val="0"/>
+              </a:spcBef>
+              <a:spcAft>
+                <a:spcPct val="0"/>
+              </a:spcAft>
+              <a:tabLst>
+                <a:tab pos="2182813" algn="l"/>
+              </a:tabLst>
+              <a:defRPr>
+                <a:solidFill>
+                  <a:schemeClr val="tx1"/>
+                </a:solidFill>
+                <a:latin typeface="Arial" panose="020B0604020202020204" pitchFamily="34" charset="0"/>
+              </a:defRPr>
+            </a:lvl1pPr>
+            <a:lvl2pPr eaLnBrk="0" fontAlgn="base" hangingPunct="0">
+              <a:spcBef>
+                <a:spcPct val="0"/>
+              </a:spcBef>
+              <a:spcAft>
+                <a:spcPct val="0"/>
+              </a:spcAft>
+              <a:tabLst>
+                <a:tab pos="2182813" algn="l"/>
+              </a:tabLst>
+              <a:defRPr>
+                <a:solidFill>
+                  <a:schemeClr val="tx1"/>
+                </a:solidFill>
+                <a:latin typeface="Arial" panose="020B0604020202020204" pitchFamily="34" charset="0"/>
+              </a:defRPr>
+            </a:lvl2pPr>
+            <a:lvl3pPr eaLnBrk="0" fontAlgn="base" hangingPunct="0">
+              <a:spcBef>
+                <a:spcPct val="0"/>
+              </a:spcBef>
+              <a:spcAft>
+                <a:spcPct val="0"/>
+              </a:spcAft>
+              <a:tabLst>
+                <a:tab pos="2182813" algn="l"/>
+              </a:tabLst>
+              <a:defRPr>
+                <a:solidFill>
+                  <a:schemeClr val="tx1"/>
+                </a:solidFill>
+                <a:latin typeface="Arial" panose="020B0604020202020204" pitchFamily="34" charset="0"/>
+              </a:defRPr>
+            </a:lvl3pPr>
+            <a:lvl4pPr eaLnBrk="0" fontAlgn="base" hangingPunct="0">
+              <a:spcBef>
+                <a:spcPct val="0"/>
+              </a:spcBef>
+              <a:spcAft>
+                <a:spcPct val="0"/>
+              </a:spcAft>
+              <a:tabLst>
+                <a:tab pos="2182813" algn="l"/>
+              </a:tabLst>
+              <a:defRPr>
+                <a:solidFill>
+                  <a:schemeClr val="tx1"/>
+                </a:solidFill>
+                <a:latin typeface="Arial" panose="020B0604020202020204" pitchFamily="34" charset="0"/>
+              </a:defRPr>
+            </a:lvl4pPr>
+            <a:lvl5pPr eaLnBrk="0" fontAlgn="base" hangingPunct="0">
+              <a:spcBef>
+                <a:spcPct val="0"/>
+              </a:spcBef>
+              <a:spcAft>
+                <a:spcPct val="0"/>
+              </a:spcAft>
+              <a:tabLst>
+                <a:tab pos="2182813" algn="l"/>
+              </a:tabLst>
+              <a:defRPr>
+                <a:solidFill>
+                  <a:schemeClr val="tx1"/>
+                </a:solidFill>
+                <a:latin typeface="Arial" panose="020B0604020202020204" pitchFamily="34" charset="0"/>
+              </a:defRPr>
+            </a:lvl5pPr>
+            <a:lvl6pPr eaLnBrk="0" fontAlgn="base" hangingPunct="0">
+              <a:spcBef>
+                <a:spcPct val="0"/>
+              </a:spcBef>
+              <a:spcAft>
+                <a:spcPct val="0"/>
+              </a:spcAft>
+              <a:tabLst>
+                <a:tab pos="2182813" algn="l"/>
+              </a:tabLst>
+              <a:defRPr>
+                <a:solidFill>
+                  <a:schemeClr val="tx1"/>
+                </a:solidFill>
+                <a:latin typeface="Arial" panose="020B0604020202020204" pitchFamily="34" charset="0"/>
+              </a:defRPr>
+            </a:lvl6pPr>
+            <a:lvl7pPr eaLnBrk="0" fontAlgn="base" hangingPunct="0">
+              <a:spcBef>
+                <a:spcPct val="0"/>
+              </a:spcBef>
+              <a:spcAft>
+                <a:spcPct val="0"/>
+              </a:spcAft>
+              <a:tabLst>
+                <a:tab pos="2182813" algn="l"/>
+              </a:tabLst>
+              <a:defRPr>
+                <a:solidFill>
+                  <a:schemeClr val="tx1"/>
+                </a:solidFill>
+                <a:latin typeface="Arial" panose="020B0604020202020204" pitchFamily="34" charset="0"/>
+              </a:defRPr>
+            </a:lvl7pPr>
+            <a:lvl8pPr eaLnBrk="0" fontAlgn="base" hangingPunct="0">
+              <a:spcBef>
+                <a:spcPct val="0"/>
+              </a:spcBef>
+              <a:spcAft>
+                <a:spcPct val="0"/>
+              </a:spcAft>
+              <a:tabLst>
+                <a:tab pos="2182813" algn="l"/>
+              </a:tabLst>
+              <a:defRPr>
+                <a:solidFill>
+                  <a:schemeClr val="tx1"/>
+                </a:solidFill>
+                <a:latin typeface="Arial" panose="020B0604020202020204" pitchFamily="34" charset="0"/>
+              </a:defRPr>
+            </a:lvl8pPr>
+            <a:lvl9pPr eaLnBrk="0" fontAlgn="base" hangingPunct="0">
+              <a:spcBef>
+                <a:spcPct val="0"/>
+              </a:spcBef>
+              <a:spcAft>
+                <a:spcPct val="0"/>
+              </a:spcAft>
+              <a:tabLst>
+                <a:tab pos="2182813" algn="l"/>
+              </a:tabLst>
+              <a:defRPr>
+                <a:solidFill>
+                  <a:schemeClr val="tx1"/>
+                </a:solidFill>
+                <a:latin typeface="Arial" panose="020B0604020202020204" pitchFamily="34" charset="0"/>
+              </a:defRPr>
+            </a:lvl9pPr>
+          </a:lstStyle>
+          <a:p>
+            <a:pPr marL="0" marR="0" lvl="0" indent="0" algn="ctr" defTabSz="914400" rtl="0" eaLnBrk="0" fontAlgn="base" latinLnBrk="0" hangingPunct="0">
+              <a:lnSpc>
+                <a:spcPct val="100000"/>
+              </a:lnSpc>
+              <a:spcBef>
+                <a:spcPct val="0"/>
+              </a:spcBef>
+              <a:spcAft>
+                <a:spcPct val="0"/>
+              </a:spcAft>
+              <a:buClrTx/>
+              <a:buSzTx/>
+              <a:buFontTx/>
+              <a:buNone/>
+              <a:tabLst>
+                <a:tab pos="2182813" algn="l"/>
+              </a:tabLst>
+            </a:pPr>
+            <a:r>
+              <a:rPr kumimoji="0" lang="en-US" altLang="en-US" sz="2200" b="1" i="0" u="none" strike="noStrike" cap="none" normalizeH="0" baseline="0" dirty="0">
+                <a:ln>
+                  <a:noFill/>
+                </a:ln>
+                <a:solidFill>
+                  <a:schemeClr val="tx1"/>
+                </a:solidFill>
+                <a:effectLst/>
+                <a:latin typeface="Times New Roman" panose="02020603050405020304" pitchFamily="18" charset="0"/>
+                <a:ea typeface="Calibri" panose="020F0502020204030204" pitchFamily="34" charset="0"/>
+                <a:cs typeface="Times New Roman" panose="02020603050405020304" pitchFamily="18" charset="0"/>
+              </a:rPr>
+              <a:t>    TRIBHUVAN UNIVERSITY</a:t>
+            </a:r>
+            <a:endParaRPr kumimoji="0" lang="en-US" altLang="en-US" sz="800" b="0" i="0" u="none" strike="noStrike" cap="none" normalizeH="0" baseline="0" dirty="0">
+              <a:ln>
+                <a:noFill/>
+              </a:ln>
+              <a:solidFill>
+                <a:schemeClr val="tx1"/>
+              </a:solidFill>
+              <a:effectLst/>
+            </a:endParaRPr>
+          </a:p>
+          <a:p>
+            <a:pPr marL="0" marR="0" lvl="0" indent="0" algn="ctr" defTabSz="914400" rtl="0" eaLnBrk="0" fontAlgn="base" latinLnBrk="0" hangingPunct="0">
+              <a:lnSpc>
+                <a:spcPct val="100000"/>
+              </a:lnSpc>
+              <a:spcBef>
+                <a:spcPct val="0"/>
+              </a:spcBef>
+              <a:spcAft>
+                <a:spcPct val="0"/>
+              </a:spcAft>
+              <a:buClrTx/>
+              <a:buSzTx/>
+              <a:buFontTx/>
+              <a:buNone/>
+              <a:tabLst>
+                <a:tab pos="2182813" algn="l"/>
+              </a:tabLst>
+            </a:pPr>
+            <a:r>
+              <a:rPr kumimoji="0" lang="en-US" altLang="en-US" sz="1800" b="0" i="0" u="none" strike="noStrike" cap="none" normalizeH="0" baseline="0" dirty="0">
+                <a:ln>
+                  <a:noFill/>
+                </a:ln>
+                <a:solidFill>
+                  <a:schemeClr val="tx1"/>
+                </a:solidFill>
+                <a:effectLst/>
+                <a:latin typeface="Arial" panose="020B0604020202020204" pitchFamily="34" charset="0"/>
+              </a:rPr>
+              <a:t> </a:t>
+            </a:r>
+          </a:p>
+        </p:txBody>
+      </p:sp>
+      <p:pic>
+        <p:nvPicPr>
+          <p:cNvPr id="9" name="Picture 1" descr="Tribhuvan-University-to-Shut-Unpopular-Departments.jpg">
+            <a:extLst>
+              <a:ext uri="{FF2B5EF4-FFF2-40B4-BE49-F238E27FC236}">
+                <a16:creationId xmlns:a16="http://schemas.microsoft.com/office/drawing/2014/main" id="{413CE55D-AAD2-4F72-B3A0-E140A3540B50}"/>
+              </a:ext>
+            </a:extLst>
+          </p:cNvPr>
+          <p:cNvPicPr>
+            <a:picLocks noChangeAspect="1" noChangeArrowheads="1"/>
+          </p:cNvPicPr>
+          <p:nvPr/>
+        </p:nvPicPr>
+        <p:blipFill>
+          <a:blip r:embed="rId2">
+            <a:extLst>
+              <a:ext uri="{28A0092B-C50C-407E-A947-70E740481C1C}">
+                <a14:useLocalDpi xmlns:a14="http://schemas.microsoft.com/office/drawing/2010/main" val="0"/>
+              </a:ext>
+            </a:extLst>
+          </a:blip>
+          <a:srcRect/>
+          <a:stretch>
+            <a:fillRect/>
+          </a:stretch>
+        </p:blipFill>
+        <p:spPr bwMode="auto">
+          <a:xfrm>
+            <a:off x="5611230" y="135093"/>
+            <a:ext cx="1119676" cy="1336187"/>
+          </a:xfrm>
+          <a:prstGeom prst="rect">
+            <a:avLst/>
+          </a:prstGeom>
+          <a:noFill/>
+          <a:extLst>
+            <a:ext uri="{909E8E84-426E-40DD-AFC4-6F175D3DCCD1}">
+              <a14:hiddenFill xmlns:a14="http://schemas.microsoft.com/office/drawing/2010/main">
+                <a:solidFill>
+                  <a:srgbClr val="FFFFFF"/>
+                </a:solidFill>
+              </a14:hiddenFill>
+            </a:ext>
+          </a:extLst>
+        </p:spPr>
+      </p:pic>
+      <p:sp>
+        <p:nvSpPr>
+          <p:cNvPr id="10" name="Rectangle 3">
+            <a:extLst>
+              <a:ext uri="{FF2B5EF4-FFF2-40B4-BE49-F238E27FC236}">
+                <a16:creationId xmlns:a16="http://schemas.microsoft.com/office/drawing/2014/main" id="{2F883495-8993-4BD4-A144-F0141C25634F}"/>
+              </a:ext>
+            </a:extLst>
+          </p:cNvPr>
+          <p:cNvSpPr>
+            <a:spLocks noChangeArrowheads="1"/>
+          </p:cNvSpPr>
+          <p:nvPr/>
+        </p:nvSpPr>
+        <p:spPr bwMode="auto">
+          <a:xfrm>
+            <a:off x="4304133" y="2029853"/>
+            <a:ext cx="3911648" cy="1631216"/>
+          </a:xfrm>
+          <a:prstGeom prst="rect">
+            <a:avLst/>
+          </a:prstGeom>
+          <a:noFill/>
+          <a:ln>
+            <a:noFill/>
+          </a:ln>
+          <a:effectLst/>
+          <a:extLst>
+            <a:ext uri="{909E8E84-426E-40DD-AFC4-6F175D3DCCD1}">
+              <a14:hiddenFill xmlns:a14="http://schemas.microsoft.com/office/drawing/2010/main">
+                <a:solidFill>
+                  <a:schemeClr val="accent1"/>
+                </a:solidFill>
+              </a14:hiddenFill>
+            </a:ext>
+            <a:ext uri="{91240B29-F687-4F45-9708-019B960494DF}">
+              <a14:hiddenLine xmlns:a14="http://schemas.microsoft.com/office/drawing/2010/main" w="9525">
+                <a:solidFill>
+                  <a:schemeClr val="tx1"/>
+                </a:solidFill>
+                <a:miter lim="800000"/>
+                <a:headEnd/>
+                <a:tailEnd/>
+              </a14:hiddenLine>
+            </a:ext>
+            <a:ext uri="{AF507438-7753-43E0-B8FC-AC1667EBCBE1}">
+              <a14:hiddenEffects xmlns:a14="http://schemas.microsoft.com/office/drawing/2010/main">
+                <a:effectLst>
+                  <a:outerShdw dist="35921" dir="2700000" algn="ctr" rotWithShape="0">
+                    <a:schemeClr val="bg2"/>
+                  </a:outerShdw>
+                </a:effectLst>
+              </a14:hiddenEffects>
+            </a:ext>
+          </a:extLst>
+        </p:spPr>
+        <p:txBody>
+          <a:bodyPr vert="horz" wrap="none" lIns="91440" tIns="45720" rIns="91440" bIns="45720" numCol="1" anchor="ctr" anchorCtr="0" compatLnSpc="1">
+            <a:prstTxWarp prst="textNoShape">
+              <a:avLst/>
+            </a:prstTxWarp>
+            <a:spAutoFit/>
+          </a:bodyPr>
+          <a:lstStyle>
+            <a:lvl1pPr eaLnBrk="0" fontAlgn="base" hangingPunct="0">
+              <a:spcBef>
+                <a:spcPct val="0"/>
+              </a:spcBef>
+              <a:spcAft>
+                <a:spcPct val="0"/>
+              </a:spcAft>
+              <a:tabLst>
+                <a:tab pos="2603500" algn="l"/>
+              </a:tabLst>
+              <a:defRPr>
+                <a:solidFill>
+                  <a:schemeClr val="tx1"/>
+                </a:solidFill>
+                <a:latin typeface="Arial" panose="020B0604020202020204" pitchFamily="34" charset="0"/>
+              </a:defRPr>
+            </a:lvl1pPr>
+            <a:lvl2pPr eaLnBrk="0" fontAlgn="base" hangingPunct="0">
+              <a:spcBef>
+                <a:spcPct val="0"/>
+              </a:spcBef>
+              <a:spcAft>
+                <a:spcPct val="0"/>
+              </a:spcAft>
+              <a:tabLst>
+                <a:tab pos="2603500" algn="l"/>
+              </a:tabLst>
+              <a:defRPr>
+                <a:solidFill>
+                  <a:schemeClr val="tx1"/>
+                </a:solidFill>
+                <a:latin typeface="Arial" panose="020B0604020202020204" pitchFamily="34" charset="0"/>
+              </a:defRPr>
+            </a:lvl2pPr>
+            <a:lvl3pPr eaLnBrk="0" fontAlgn="base" hangingPunct="0">
+              <a:spcBef>
+                <a:spcPct val="0"/>
+              </a:spcBef>
+              <a:spcAft>
+                <a:spcPct val="0"/>
+              </a:spcAft>
+              <a:tabLst>
+                <a:tab pos="2603500" algn="l"/>
+              </a:tabLst>
+              <a:defRPr>
+                <a:solidFill>
+                  <a:schemeClr val="tx1"/>
+                </a:solidFill>
+                <a:latin typeface="Arial" panose="020B0604020202020204" pitchFamily="34" charset="0"/>
+              </a:defRPr>
+            </a:lvl3pPr>
+            <a:lvl4pPr eaLnBrk="0" fontAlgn="base" hangingPunct="0">
+              <a:spcBef>
+                <a:spcPct val="0"/>
+              </a:spcBef>
+              <a:spcAft>
+                <a:spcPct val="0"/>
+              </a:spcAft>
+              <a:tabLst>
+                <a:tab pos="2603500" algn="l"/>
+              </a:tabLst>
+              <a:defRPr>
+                <a:solidFill>
+                  <a:schemeClr val="tx1"/>
+                </a:solidFill>
+                <a:latin typeface="Arial" panose="020B0604020202020204" pitchFamily="34" charset="0"/>
+              </a:defRPr>
+            </a:lvl4pPr>
+            <a:lvl5pPr eaLnBrk="0" fontAlgn="base" hangingPunct="0">
+              <a:spcBef>
+                <a:spcPct val="0"/>
+              </a:spcBef>
+              <a:spcAft>
+                <a:spcPct val="0"/>
+              </a:spcAft>
+              <a:tabLst>
+                <a:tab pos="2603500" algn="l"/>
+              </a:tabLst>
+              <a:defRPr>
+                <a:solidFill>
+                  <a:schemeClr val="tx1"/>
+                </a:solidFill>
+                <a:latin typeface="Arial" panose="020B0604020202020204" pitchFamily="34" charset="0"/>
+              </a:defRPr>
+            </a:lvl5pPr>
+            <a:lvl6pPr eaLnBrk="0" fontAlgn="base" hangingPunct="0">
+              <a:spcBef>
+                <a:spcPct val="0"/>
+              </a:spcBef>
+              <a:spcAft>
+                <a:spcPct val="0"/>
+              </a:spcAft>
+              <a:tabLst>
+                <a:tab pos="2603500" algn="l"/>
+              </a:tabLst>
+              <a:defRPr>
+                <a:solidFill>
+                  <a:schemeClr val="tx1"/>
+                </a:solidFill>
+                <a:latin typeface="Arial" panose="020B0604020202020204" pitchFamily="34" charset="0"/>
+              </a:defRPr>
+            </a:lvl6pPr>
+            <a:lvl7pPr eaLnBrk="0" fontAlgn="base" hangingPunct="0">
+              <a:spcBef>
+                <a:spcPct val="0"/>
+              </a:spcBef>
+              <a:spcAft>
+                <a:spcPct val="0"/>
+              </a:spcAft>
+              <a:tabLst>
+                <a:tab pos="2603500" algn="l"/>
+              </a:tabLst>
+              <a:defRPr>
+                <a:solidFill>
+                  <a:schemeClr val="tx1"/>
+                </a:solidFill>
+                <a:latin typeface="Arial" panose="020B0604020202020204" pitchFamily="34" charset="0"/>
+              </a:defRPr>
+            </a:lvl7pPr>
+            <a:lvl8pPr eaLnBrk="0" fontAlgn="base" hangingPunct="0">
+              <a:spcBef>
+                <a:spcPct val="0"/>
+              </a:spcBef>
+              <a:spcAft>
+                <a:spcPct val="0"/>
+              </a:spcAft>
+              <a:tabLst>
+                <a:tab pos="2603500" algn="l"/>
+              </a:tabLst>
+              <a:defRPr>
+                <a:solidFill>
+                  <a:schemeClr val="tx1"/>
+                </a:solidFill>
+                <a:latin typeface="Arial" panose="020B0604020202020204" pitchFamily="34" charset="0"/>
+              </a:defRPr>
+            </a:lvl8pPr>
+            <a:lvl9pPr eaLnBrk="0" fontAlgn="base" hangingPunct="0">
+              <a:spcBef>
+                <a:spcPct val="0"/>
+              </a:spcBef>
+              <a:spcAft>
+                <a:spcPct val="0"/>
+              </a:spcAft>
+              <a:tabLst>
+                <a:tab pos="2603500" algn="l"/>
+              </a:tabLst>
+              <a:defRPr>
+                <a:solidFill>
+                  <a:schemeClr val="tx1"/>
+                </a:solidFill>
+                <a:latin typeface="Arial" panose="020B0604020202020204" pitchFamily="34" charset="0"/>
+              </a:defRPr>
+            </a:lvl9pPr>
+          </a:lstStyle>
+          <a:p>
+            <a:pPr marL="0" marR="0" lvl="0" indent="0" algn="ctr" defTabSz="914400" rtl="0" eaLnBrk="0" fontAlgn="base" latinLnBrk="0" hangingPunct="0">
+              <a:lnSpc>
+                <a:spcPct val="100000"/>
+              </a:lnSpc>
+              <a:spcBef>
+                <a:spcPct val="0"/>
+              </a:spcBef>
+              <a:spcAft>
+                <a:spcPct val="0"/>
+              </a:spcAft>
+              <a:buClrTx/>
+              <a:buSzTx/>
+              <a:buFontTx/>
+              <a:buNone/>
+              <a:tabLst>
+                <a:tab pos="2603500" algn="l"/>
+              </a:tabLst>
+            </a:pPr>
+            <a:endParaRPr kumimoji="0" lang="en-US" altLang="en-US" sz="1600" b="0" i="0" u="none" strike="noStrike" cap="none" normalizeH="0" baseline="0" dirty="0">
+              <a:ln>
+                <a:noFill/>
+              </a:ln>
+              <a:solidFill>
+                <a:schemeClr val="tx1"/>
+              </a:solidFill>
+              <a:effectLst/>
+              <a:latin typeface="Arial" panose="020B0604020202020204" pitchFamily="34" charset="0"/>
+              <a:ea typeface="Calibri" panose="020F0502020204030204" pitchFamily="34" charset="0"/>
+              <a:cs typeface="Arial" panose="020B0604020202020204" pitchFamily="34" charset="0"/>
+            </a:endParaRPr>
+          </a:p>
+          <a:p>
+            <a:pPr marL="0" marR="0" lvl="0" indent="0" algn="ctr" defTabSz="914400" rtl="0" eaLnBrk="0" fontAlgn="base" latinLnBrk="0" hangingPunct="0">
+              <a:lnSpc>
+                <a:spcPct val="100000"/>
+              </a:lnSpc>
+              <a:spcBef>
+                <a:spcPct val="0"/>
+              </a:spcBef>
+              <a:spcAft>
+                <a:spcPct val="0"/>
+              </a:spcAft>
+              <a:buClrTx/>
+              <a:buSzTx/>
+              <a:buFontTx/>
+              <a:buNone/>
+              <a:tabLst>
+                <a:tab pos="2603500" algn="l"/>
+              </a:tabLst>
+            </a:pPr>
+            <a:endParaRPr lang="en-US" altLang="en-US" sz="1600" dirty="0">
+              <a:ea typeface="Calibri" panose="020F0502020204030204" pitchFamily="34" charset="0"/>
+              <a:cs typeface="Arial" panose="020B0604020202020204" pitchFamily="34" charset="0"/>
+            </a:endParaRPr>
+          </a:p>
+          <a:p>
+            <a:pPr marL="0" marR="0" lvl="0" indent="0" algn="ctr" defTabSz="914400" rtl="0" eaLnBrk="0" fontAlgn="base" latinLnBrk="0" hangingPunct="0">
+              <a:lnSpc>
+                <a:spcPct val="100000"/>
+              </a:lnSpc>
+              <a:spcBef>
+                <a:spcPct val="0"/>
+              </a:spcBef>
+              <a:spcAft>
+                <a:spcPct val="0"/>
+              </a:spcAft>
+              <a:buClrTx/>
+              <a:buSzTx/>
+              <a:buFontTx/>
+              <a:buNone/>
+              <a:tabLst>
+                <a:tab pos="2603500" algn="l"/>
+              </a:tabLst>
+            </a:pPr>
+            <a:endParaRPr lang="en-US" altLang="en-US" sz="1600" dirty="0">
+              <a:ea typeface="Calibri" panose="020F0502020204030204" pitchFamily="34" charset="0"/>
+              <a:cs typeface="Arial" panose="020B0604020202020204" pitchFamily="34" charset="0"/>
+            </a:endParaRPr>
+          </a:p>
+          <a:p>
+            <a:pPr marL="0" marR="0" lvl="0" indent="0" algn="ctr" defTabSz="914400" rtl="0" eaLnBrk="0" fontAlgn="base" latinLnBrk="0" hangingPunct="0">
+              <a:lnSpc>
+                <a:spcPct val="100000"/>
+              </a:lnSpc>
+              <a:spcBef>
+                <a:spcPct val="0"/>
+              </a:spcBef>
+              <a:spcAft>
+                <a:spcPct val="0"/>
+              </a:spcAft>
+              <a:buClrTx/>
+              <a:buSzTx/>
+              <a:buFontTx/>
+              <a:buNone/>
+              <a:tabLst>
+                <a:tab pos="2603500" algn="l"/>
+              </a:tabLst>
+            </a:pPr>
+            <a:r>
+              <a:rPr kumimoji="0" lang="en-US" altLang="en-US" sz="1600" b="0" i="0" u="none" strike="noStrike" cap="none" normalizeH="0" baseline="0" dirty="0">
+                <a:ln>
+                  <a:noFill/>
+                </a:ln>
+                <a:solidFill>
+                  <a:schemeClr val="tx1"/>
+                </a:solidFill>
+                <a:effectLst/>
+                <a:latin typeface="Arial" panose="020B0604020202020204" pitchFamily="34" charset="0"/>
+                <a:ea typeface="Calibri" panose="020F0502020204030204" pitchFamily="34" charset="0"/>
+                <a:cs typeface="Arial" panose="020B0604020202020204" pitchFamily="34" charset="0"/>
+              </a:rPr>
+              <a:t> Faculty of humanities and social science</a:t>
+            </a:r>
+            <a:endParaRPr kumimoji="0" lang="en-US" altLang="en-US" sz="800" b="0" i="0" u="none" strike="noStrike" cap="none" normalizeH="0" baseline="0" dirty="0">
+              <a:ln>
+                <a:noFill/>
+              </a:ln>
+              <a:solidFill>
+                <a:schemeClr val="tx1"/>
+              </a:solidFill>
+              <a:effectLst/>
+            </a:endParaRPr>
+          </a:p>
+          <a:p>
+            <a:pPr marL="0" marR="0" lvl="0" indent="0" algn="ctr" defTabSz="914400" rtl="0" eaLnBrk="0" fontAlgn="base" latinLnBrk="0" hangingPunct="0">
+              <a:lnSpc>
+                <a:spcPct val="100000"/>
+              </a:lnSpc>
+              <a:spcBef>
+                <a:spcPct val="0"/>
+              </a:spcBef>
+              <a:spcAft>
+                <a:spcPct val="0"/>
+              </a:spcAft>
+              <a:buClrTx/>
+              <a:buSzTx/>
+              <a:buFontTx/>
+              <a:buNone/>
+              <a:tabLst>
+                <a:tab pos="2603500" algn="l"/>
+              </a:tabLst>
+            </a:pPr>
+            <a:r>
+              <a:rPr kumimoji="0" lang="en-US" altLang="en-US" sz="1800" b="1" i="0" u="none" strike="noStrike" cap="none" normalizeH="0" baseline="0" dirty="0">
+                <a:ln>
+                  <a:noFill/>
+                </a:ln>
+                <a:solidFill>
+                  <a:schemeClr val="tx1"/>
+                </a:solidFill>
+                <a:effectLst/>
+                <a:latin typeface="Arial" panose="020B0604020202020204" pitchFamily="34" charset="0"/>
+                <a:ea typeface="Calibri" panose="020F0502020204030204" pitchFamily="34" charset="0"/>
+                <a:cs typeface="Arial" panose="020B0604020202020204" pitchFamily="34" charset="0"/>
+              </a:rPr>
+              <a:t>Ratna </a:t>
+            </a:r>
+            <a:r>
+              <a:rPr kumimoji="0" lang="en-US" altLang="en-US" sz="2000" b="1" i="0" u="none" strike="noStrike" cap="none" normalizeH="0" baseline="0" dirty="0">
+                <a:ln>
+                  <a:noFill/>
+                </a:ln>
+                <a:solidFill>
+                  <a:schemeClr val="tx1"/>
+                </a:solidFill>
+                <a:effectLst/>
+                <a:latin typeface="Arial" panose="020B0604020202020204" pitchFamily="34" charset="0"/>
+                <a:ea typeface="Calibri" panose="020F0502020204030204" pitchFamily="34" charset="0"/>
+                <a:cs typeface="Arial" panose="020B0604020202020204" pitchFamily="34" charset="0"/>
+              </a:rPr>
+              <a:t>Rajya</a:t>
+            </a:r>
+            <a:r>
+              <a:rPr kumimoji="0" lang="en-US" altLang="en-US" sz="1800" b="1" i="0" u="none" strike="noStrike" cap="none" normalizeH="0" baseline="0" dirty="0">
+                <a:ln>
+                  <a:noFill/>
+                </a:ln>
+                <a:solidFill>
+                  <a:schemeClr val="tx1"/>
+                </a:solidFill>
+                <a:effectLst/>
+                <a:latin typeface="Arial" panose="020B0604020202020204" pitchFamily="34" charset="0"/>
+                <a:ea typeface="Calibri" panose="020F0502020204030204" pitchFamily="34" charset="0"/>
+                <a:cs typeface="Arial" panose="020B0604020202020204" pitchFamily="34" charset="0"/>
+              </a:rPr>
+              <a:t> Laxmi Campus</a:t>
+            </a:r>
+            <a:endParaRPr kumimoji="0" lang="en-US" altLang="en-US" sz="800" b="0" i="0" u="none" strike="noStrike" cap="none" normalizeH="0" baseline="0" dirty="0">
+              <a:ln>
+                <a:noFill/>
+              </a:ln>
+              <a:solidFill>
+                <a:schemeClr val="tx1"/>
+              </a:solidFill>
+              <a:effectLst/>
+            </a:endParaRPr>
+          </a:p>
+          <a:p>
+            <a:pPr marL="0" marR="0" lvl="0" indent="0" algn="ctr" defTabSz="914400" rtl="0" eaLnBrk="0" fontAlgn="base" latinLnBrk="0" hangingPunct="0">
+              <a:lnSpc>
+                <a:spcPct val="100000"/>
+              </a:lnSpc>
+              <a:spcBef>
+                <a:spcPct val="0"/>
+              </a:spcBef>
+              <a:spcAft>
+                <a:spcPct val="0"/>
+              </a:spcAft>
+              <a:buClrTx/>
+              <a:buSzTx/>
+              <a:buFontTx/>
+              <a:buNone/>
+              <a:tabLst>
+                <a:tab pos="2603500" algn="l"/>
+              </a:tabLst>
+            </a:pPr>
+            <a:r>
+              <a:rPr kumimoji="0" lang="en-US" altLang="en-US" sz="1600" b="0" i="0" u="none" strike="noStrike" cap="none" normalizeH="0" baseline="0" dirty="0">
+                <a:ln>
+                  <a:noFill/>
+                </a:ln>
+                <a:solidFill>
+                  <a:schemeClr val="tx1"/>
+                </a:solidFill>
+                <a:effectLst/>
+                <a:latin typeface="Arial" panose="020B0604020202020204" pitchFamily="34" charset="0"/>
+                <a:ea typeface="Calibri" panose="020F0502020204030204" pitchFamily="34" charset="0"/>
+                <a:cs typeface="Arial" panose="020B0604020202020204" pitchFamily="34" charset="0"/>
+              </a:rPr>
+              <a:t>Exhibition Road, Kathmandu</a:t>
+            </a:r>
+            <a:endParaRPr kumimoji="0" lang="en-US" altLang="en-US" sz="1800" b="0" i="0" u="none" strike="noStrike" cap="none" normalizeH="0" baseline="0" dirty="0">
+              <a:ln>
+                <a:noFill/>
+              </a:ln>
+              <a:solidFill>
+                <a:schemeClr val="tx1"/>
+              </a:solidFill>
+              <a:effectLst/>
+              <a:latin typeface="Arial" panose="020B0604020202020204" pitchFamily="34" charset="0"/>
+            </a:endParaRPr>
+          </a:p>
+        </p:txBody>
+      </p:sp>
+      <p:sp>
+        <p:nvSpPr>
+          <p:cNvPr id="11" name="Rectangle 2">
+            <a:extLst>
+              <a:ext uri="{FF2B5EF4-FFF2-40B4-BE49-F238E27FC236}">
+                <a16:creationId xmlns:a16="http://schemas.microsoft.com/office/drawing/2014/main" id="{83DC7D1A-B645-4EBC-BE5C-C66836EF3340}"/>
+              </a:ext>
+            </a:extLst>
+          </p:cNvPr>
+          <p:cNvSpPr>
+            <a:spLocks noChangeArrowheads="1"/>
+          </p:cNvSpPr>
+          <p:nvPr/>
+        </p:nvSpPr>
+        <p:spPr bwMode="auto">
+          <a:xfrm>
+            <a:off x="3635686" y="2137575"/>
+            <a:ext cx="5248542" cy="707886"/>
+          </a:xfrm>
+          <a:prstGeom prst="rect">
+            <a:avLst/>
+          </a:prstGeom>
+          <a:noFill/>
+          <a:ln>
+            <a:noFill/>
+          </a:ln>
+          <a:effectLst/>
+          <a:extLst>
+            <a:ext uri="{909E8E84-426E-40DD-AFC4-6F175D3DCCD1}">
+              <a14:hiddenFill xmlns:a14="http://schemas.microsoft.com/office/drawing/2010/main">
+                <a:solidFill>
+                  <a:schemeClr val="accent1"/>
+                </a:solidFill>
+              </a14:hiddenFill>
+            </a:ext>
+            <a:ext uri="{91240B29-F687-4F45-9708-019B960494DF}">
+              <a14:hiddenLine xmlns:a14="http://schemas.microsoft.com/office/drawing/2010/main" w="9525">
+                <a:solidFill>
+                  <a:schemeClr val="tx1"/>
+                </a:solidFill>
+                <a:miter lim="800000"/>
+                <a:headEnd/>
+                <a:tailEnd/>
+              </a14:hiddenLine>
+            </a:ext>
+            <a:ext uri="{AF507438-7753-43E0-B8FC-AC1667EBCBE1}">
+              <a14:hiddenEffects xmlns:a14="http://schemas.microsoft.com/office/drawing/2010/main">
+                <a:effectLst>
+                  <a:outerShdw dist="35921" dir="2700000" algn="ctr" rotWithShape="0">
+                    <a:schemeClr val="bg2"/>
+                  </a:outerShdw>
+                </a:effectLst>
+              </a14:hiddenEffects>
+            </a:ext>
+          </a:extLst>
+        </p:spPr>
+        <p:txBody>
+          <a:bodyPr vert="horz" wrap="square" lIns="91440" tIns="45720" rIns="91440" bIns="45720" numCol="1" anchor="ctr" anchorCtr="0" compatLnSpc="1">
+            <a:prstTxWarp prst="textNoShape">
+              <a:avLst/>
+            </a:prstTxWarp>
+            <a:spAutoFit/>
+          </a:bodyPr>
+          <a:lstStyle>
+            <a:lvl1pPr eaLnBrk="0" fontAlgn="base" hangingPunct="0">
+              <a:spcBef>
+                <a:spcPct val="0"/>
+              </a:spcBef>
+              <a:spcAft>
+                <a:spcPct val="0"/>
+              </a:spcAft>
+              <a:tabLst>
+                <a:tab pos="2182813" algn="l"/>
+              </a:tabLst>
+              <a:defRPr>
+                <a:solidFill>
+                  <a:schemeClr val="tx1"/>
+                </a:solidFill>
+                <a:latin typeface="Arial" panose="020B0604020202020204" pitchFamily="34" charset="0"/>
+              </a:defRPr>
+            </a:lvl1pPr>
+            <a:lvl2pPr eaLnBrk="0" fontAlgn="base" hangingPunct="0">
+              <a:spcBef>
+                <a:spcPct val="0"/>
+              </a:spcBef>
+              <a:spcAft>
+                <a:spcPct val="0"/>
+              </a:spcAft>
+              <a:tabLst>
+                <a:tab pos="2182813" algn="l"/>
+              </a:tabLst>
+              <a:defRPr>
+                <a:solidFill>
+                  <a:schemeClr val="tx1"/>
+                </a:solidFill>
+                <a:latin typeface="Arial" panose="020B0604020202020204" pitchFamily="34" charset="0"/>
+              </a:defRPr>
+            </a:lvl2pPr>
+            <a:lvl3pPr eaLnBrk="0" fontAlgn="base" hangingPunct="0">
+              <a:spcBef>
+                <a:spcPct val="0"/>
+              </a:spcBef>
+              <a:spcAft>
+                <a:spcPct val="0"/>
+              </a:spcAft>
+              <a:tabLst>
+                <a:tab pos="2182813" algn="l"/>
+              </a:tabLst>
+              <a:defRPr>
+                <a:solidFill>
+                  <a:schemeClr val="tx1"/>
+                </a:solidFill>
+                <a:latin typeface="Arial" panose="020B0604020202020204" pitchFamily="34" charset="0"/>
+              </a:defRPr>
+            </a:lvl3pPr>
+            <a:lvl4pPr eaLnBrk="0" fontAlgn="base" hangingPunct="0">
+              <a:spcBef>
+                <a:spcPct val="0"/>
+              </a:spcBef>
+              <a:spcAft>
+                <a:spcPct val="0"/>
+              </a:spcAft>
+              <a:tabLst>
+                <a:tab pos="2182813" algn="l"/>
+              </a:tabLst>
+              <a:defRPr>
+                <a:solidFill>
+                  <a:schemeClr val="tx1"/>
+                </a:solidFill>
+                <a:latin typeface="Arial" panose="020B0604020202020204" pitchFamily="34" charset="0"/>
+              </a:defRPr>
+            </a:lvl4pPr>
+            <a:lvl5pPr eaLnBrk="0" fontAlgn="base" hangingPunct="0">
+              <a:spcBef>
+                <a:spcPct val="0"/>
+              </a:spcBef>
+              <a:spcAft>
+                <a:spcPct val="0"/>
+              </a:spcAft>
+              <a:tabLst>
+                <a:tab pos="2182813" algn="l"/>
+              </a:tabLst>
+              <a:defRPr>
+                <a:solidFill>
+                  <a:schemeClr val="tx1"/>
+                </a:solidFill>
+                <a:latin typeface="Arial" panose="020B0604020202020204" pitchFamily="34" charset="0"/>
+              </a:defRPr>
+            </a:lvl5pPr>
+            <a:lvl6pPr eaLnBrk="0" fontAlgn="base" hangingPunct="0">
+              <a:spcBef>
+                <a:spcPct val="0"/>
+              </a:spcBef>
+              <a:spcAft>
+                <a:spcPct val="0"/>
+              </a:spcAft>
+              <a:tabLst>
+                <a:tab pos="2182813" algn="l"/>
+              </a:tabLst>
+              <a:defRPr>
+                <a:solidFill>
+                  <a:schemeClr val="tx1"/>
+                </a:solidFill>
+                <a:latin typeface="Arial" panose="020B0604020202020204" pitchFamily="34" charset="0"/>
+              </a:defRPr>
+            </a:lvl6pPr>
+            <a:lvl7pPr eaLnBrk="0" fontAlgn="base" hangingPunct="0">
+              <a:spcBef>
+                <a:spcPct val="0"/>
+              </a:spcBef>
+              <a:spcAft>
+                <a:spcPct val="0"/>
+              </a:spcAft>
+              <a:tabLst>
+                <a:tab pos="2182813" algn="l"/>
+              </a:tabLst>
+              <a:defRPr>
+                <a:solidFill>
+                  <a:schemeClr val="tx1"/>
+                </a:solidFill>
+                <a:latin typeface="Arial" panose="020B0604020202020204" pitchFamily="34" charset="0"/>
+              </a:defRPr>
+            </a:lvl7pPr>
+            <a:lvl8pPr eaLnBrk="0" fontAlgn="base" hangingPunct="0">
+              <a:spcBef>
+                <a:spcPct val="0"/>
+              </a:spcBef>
+              <a:spcAft>
+                <a:spcPct val="0"/>
+              </a:spcAft>
+              <a:tabLst>
+                <a:tab pos="2182813" algn="l"/>
+              </a:tabLst>
+              <a:defRPr>
+                <a:solidFill>
+                  <a:schemeClr val="tx1"/>
+                </a:solidFill>
+                <a:latin typeface="Arial" panose="020B0604020202020204" pitchFamily="34" charset="0"/>
+              </a:defRPr>
+            </a:lvl8pPr>
+            <a:lvl9pPr eaLnBrk="0" fontAlgn="base" hangingPunct="0">
+              <a:spcBef>
+                <a:spcPct val="0"/>
+              </a:spcBef>
+              <a:spcAft>
+                <a:spcPct val="0"/>
+              </a:spcAft>
+              <a:tabLst>
+                <a:tab pos="2182813" algn="l"/>
+              </a:tabLst>
+              <a:defRPr>
+                <a:solidFill>
+                  <a:schemeClr val="tx1"/>
+                </a:solidFill>
+                <a:latin typeface="Arial" panose="020B0604020202020204" pitchFamily="34" charset="0"/>
+              </a:defRPr>
+            </a:lvl9pPr>
+          </a:lstStyle>
+          <a:p>
+            <a:pPr marL="0" marR="0" lvl="0" indent="0" algn="ctr" defTabSz="914400" rtl="0" eaLnBrk="0" fontAlgn="base" latinLnBrk="0" hangingPunct="0">
+              <a:lnSpc>
+                <a:spcPct val="100000"/>
+              </a:lnSpc>
+              <a:spcBef>
+                <a:spcPct val="0"/>
+              </a:spcBef>
+              <a:spcAft>
+                <a:spcPct val="0"/>
+              </a:spcAft>
+              <a:buClrTx/>
+              <a:buSzTx/>
+              <a:buFontTx/>
+              <a:buNone/>
+              <a:tabLst>
+                <a:tab pos="2182813" algn="l"/>
+              </a:tabLst>
+            </a:pPr>
+            <a:r>
+              <a:rPr kumimoji="0" lang="en-US" altLang="en-US" sz="2200" b="1" i="0" u="none" strike="noStrike" cap="none" normalizeH="0" baseline="0" dirty="0">
+                <a:ln>
+                  <a:noFill/>
+                </a:ln>
+                <a:solidFill>
+                  <a:schemeClr val="tx1"/>
+                </a:solidFill>
+                <a:effectLst/>
+                <a:latin typeface="Times New Roman" panose="02020603050405020304" pitchFamily="18" charset="0"/>
+                <a:ea typeface="Calibri" panose="020F0502020204030204" pitchFamily="34" charset="0"/>
+                <a:cs typeface="Times New Roman" panose="02020603050405020304" pitchFamily="18" charset="0"/>
+              </a:rPr>
+              <a:t>Music Streaming Platform</a:t>
+            </a:r>
+            <a:endParaRPr kumimoji="0" lang="en-US" altLang="en-US" sz="800" b="0" i="0" u="none" strike="noStrike" cap="none" normalizeH="0" baseline="0" dirty="0">
+              <a:ln>
+                <a:noFill/>
+              </a:ln>
+              <a:solidFill>
+                <a:schemeClr val="tx1"/>
+              </a:solidFill>
+              <a:effectLst/>
+            </a:endParaRPr>
+          </a:p>
+          <a:p>
+            <a:pPr marL="0" marR="0" lvl="0" indent="0" algn="ctr" defTabSz="914400" rtl="0" eaLnBrk="0" fontAlgn="base" latinLnBrk="0" hangingPunct="0">
+              <a:lnSpc>
+                <a:spcPct val="100000"/>
+              </a:lnSpc>
+              <a:spcBef>
+                <a:spcPct val="0"/>
+              </a:spcBef>
+              <a:spcAft>
+                <a:spcPct val="0"/>
+              </a:spcAft>
+              <a:buClrTx/>
+              <a:buSzTx/>
+              <a:buFontTx/>
+              <a:buNone/>
+              <a:tabLst>
+                <a:tab pos="2182813" algn="l"/>
+              </a:tabLst>
+            </a:pPr>
+            <a:r>
+              <a:rPr kumimoji="0" lang="en-US" altLang="en-US" sz="1800" b="0" i="0" u="none" strike="noStrike" cap="none" normalizeH="0" baseline="0" dirty="0">
+                <a:ln>
+                  <a:noFill/>
+                </a:ln>
+                <a:solidFill>
+                  <a:schemeClr val="tx1"/>
+                </a:solidFill>
+                <a:effectLst/>
+                <a:latin typeface="Arial" panose="020B0604020202020204" pitchFamily="34" charset="0"/>
+              </a:rPr>
+              <a:t> </a:t>
+            </a:r>
+          </a:p>
+        </p:txBody>
+      </p:sp>
+      <p:sp>
+        <p:nvSpPr>
+          <p:cNvPr id="12" name="TextBox 11">
+            <a:extLst>
+              <a:ext uri="{FF2B5EF4-FFF2-40B4-BE49-F238E27FC236}">
+                <a16:creationId xmlns:a16="http://schemas.microsoft.com/office/drawing/2014/main" id="{0F1BEE45-D0E2-4FAA-842B-37ED11D07BDA}"/>
+              </a:ext>
+            </a:extLst>
+          </p:cNvPr>
+          <p:cNvSpPr txBox="1"/>
+          <p:nvPr/>
+        </p:nvSpPr>
+        <p:spPr>
+          <a:xfrm>
+            <a:off x="446810" y="4327364"/>
+            <a:ext cx="4021282" cy="1289071"/>
+          </a:xfrm>
+          <a:prstGeom prst="rect">
+            <a:avLst/>
+          </a:prstGeom>
+          <a:noFill/>
+        </p:spPr>
+        <p:txBody>
+          <a:bodyPr wrap="square">
+            <a:spAutoFit/>
+          </a:bodyPr>
           <a:lstStyle/>
           <a:p>
+            <a:pPr marL="0" marR="0" algn="ctr">
+              <a:lnSpc>
+                <a:spcPct val="150000"/>
+              </a:lnSpc>
+              <a:tabLst>
+                <a:tab pos="1838325" algn="l"/>
+              </a:tabLst>
+            </a:pPr>
+            <a:r>
+              <a:rPr lang="en-US" sz="1800" b="1" dirty="0">
+                <a:effectLst/>
+                <a:latin typeface="Times New Roman" panose="02020603050405020304" pitchFamily="18" charset="0"/>
+                <a:ea typeface="Times New Roman" panose="02020603050405020304" pitchFamily="18" charset="0"/>
+              </a:rPr>
+              <a:t>Submitted by</a:t>
+            </a:r>
+            <a:endParaRPr lang="en-US" sz="1800" dirty="0">
+              <a:effectLst/>
+              <a:latin typeface="Times New Roman" panose="02020603050405020304" pitchFamily="18" charset="0"/>
+              <a:ea typeface="Times New Roman" panose="02020603050405020304" pitchFamily="18" charset="0"/>
+            </a:endParaRPr>
+          </a:p>
+          <a:p>
+            <a:pPr marL="0" marR="0" algn="ctr">
+              <a:lnSpc>
+                <a:spcPct val="150000"/>
+              </a:lnSpc>
+              <a:tabLst>
+                <a:tab pos="1838325" algn="l"/>
+              </a:tabLst>
+            </a:pPr>
+            <a:r>
+              <a:rPr lang="en-US" sz="1800" dirty="0">
+                <a:effectLst/>
+                <a:latin typeface="Times New Roman" panose="02020603050405020304" pitchFamily="18" charset="0"/>
+                <a:ea typeface="Times New Roman" panose="02020603050405020304" pitchFamily="18" charset="0"/>
+              </a:rPr>
+              <a:t>Bisham Raj Pandey-15</a:t>
+            </a:r>
+            <a:br>
+              <a:rPr lang="en-US" sz="1800" dirty="0">
+                <a:effectLst/>
+                <a:latin typeface="Times New Roman" panose="02020603050405020304" pitchFamily="18" charset="0"/>
+                <a:ea typeface="Times New Roman" panose="02020603050405020304" pitchFamily="18" charset="0"/>
+              </a:rPr>
+            </a:br>
+            <a:r>
+              <a:rPr lang="en-US" dirty="0" err="1">
+                <a:latin typeface="Times New Roman" panose="02020603050405020304" pitchFamily="18" charset="0"/>
+                <a:ea typeface="Times New Roman" panose="02020603050405020304" pitchFamily="18" charset="0"/>
+              </a:rPr>
+              <a:t>Bishal</a:t>
+            </a:r>
             <a:r>
               <a:rPr lang="en-US" dirty="0">
                 <a:latin typeface="Times New Roman" panose="02020603050405020304" pitchFamily="18" charset="0"/>
-                <a:cs typeface="Times New Roman" panose="02020603050405020304" pitchFamily="18" charset="0"/>
-              </a:rPr>
-              <a:t>Music Streaming</a:t>
-            </a:r>
-            <a:br>
+                <a:ea typeface="Times New Roman" panose="02020603050405020304" pitchFamily="18" charset="0"/>
+              </a:rPr>
+              <a:t> Regmi-14</a:t>
+            </a:r>
+            <a:endParaRPr lang="en-US" sz="1800" dirty="0">
+              <a:effectLst/>
+              <a:latin typeface="Times New Roman" panose="02020603050405020304" pitchFamily="18" charset="0"/>
+              <a:ea typeface="Times New Roman" panose="02020603050405020304" pitchFamily="18" charset="0"/>
+            </a:endParaRPr>
+          </a:p>
+        </p:txBody>
+      </p:sp>
+      <p:sp>
+        <p:nvSpPr>
+          <p:cNvPr id="13" name="TextBox 12">
+            <a:extLst>
+              <a:ext uri="{FF2B5EF4-FFF2-40B4-BE49-F238E27FC236}">
+                <a16:creationId xmlns:a16="http://schemas.microsoft.com/office/drawing/2014/main" id="{52888D7E-0B3D-4BE9-B5F6-8AADFB71B30A}"/>
+              </a:ext>
+            </a:extLst>
+          </p:cNvPr>
+          <p:cNvSpPr txBox="1"/>
+          <p:nvPr/>
+        </p:nvSpPr>
+        <p:spPr>
+          <a:xfrm>
+            <a:off x="7550728" y="4327364"/>
+            <a:ext cx="4021282" cy="1289071"/>
+          </a:xfrm>
+          <a:prstGeom prst="rect">
+            <a:avLst/>
+          </a:prstGeom>
+          <a:noFill/>
+        </p:spPr>
+        <p:txBody>
+          <a:bodyPr wrap="square">
+            <a:spAutoFit/>
+          </a:bodyPr>
+          <a:lstStyle/>
+          <a:p>
+            <a:pPr marL="0" marR="0" algn="ctr">
+              <a:lnSpc>
+                <a:spcPct val="150000"/>
+              </a:lnSpc>
+              <a:tabLst>
+                <a:tab pos="1838325" algn="l"/>
+              </a:tabLst>
+            </a:pPr>
+            <a:r>
+              <a:rPr lang="en-US" sz="1800" b="1" dirty="0">
+                <a:effectLst/>
+                <a:latin typeface="Times New Roman" panose="02020603050405020304" pitchFamily="18" charset="0"/>
+                <a:ea typeface="Times New Roman" panose="02020603050405020304" pitchFamily="18" charset="0"/>
+              </a:rPr>
+              <a:t>Submitted to</a:t>
+            </a:r>
+            <a:endParaRPr lang="en-US" sz="1800" dirty="0">
+              <a:effectLst/>
+              <a:latin typeface="Times New Roman" panose="02020603050405020304" pitchFamily="18" charset="0"/>
+              <a:ea typeface="Times New Roman" panose="02020603050405020304" pitchFamily="18" charset="0"/>
+            </a:endParaRPr>
+          </a:p>
+          <a:p>
+            <a:pPr marL="0" marR="0" algn="ctr">
+              <a:lnSpc>
+                <a:spcPct val="150000"/>
+              </a:lnSpc>
+              <a:tabLst>
+                <a:tab pos="1838325" algn="l"/>
+              </a:tabLst>
+            </a:pPr>
+            <a:r>
               <a:rPr lang="en-US" dirty="0">
                 <a:latin typeface="Times New Roman" panose="02020603050405020304" pitchFamily="18" charset="0"/>
-                <a:cs typeface="Times New Roman" panose="02020603050405020304" pitchFamily="18" charset="0"/>
-              </a:rPr>
-            </a:br>
+                <a:ea typeface="Times New Roman" panose="02020603050405020304" pitchFamily="18" charset="0"/>
+              </a:rPr>
+              <a:t>Department of Computer Application</a:t>
+            </a:r>
+          </a:p>
+          <a:p>
+            <a:pPr marL="0" marR="0" algn="ctr">
+              <a:lnSpc>
+                <a:spcPct val="150000"/>
+              </a:lnSpc>
+              <a:tabLst>
+                <a:tab pos="1838325" algn="l"/>
+              </a:tabLst>
+            </a:pPr>
             <a:r>
               <a:rPr lang="en-US" dirty="0">
                 <a:latin typeface="Times New Roman" panose="02020603050405020304" pitchFamily="18" charset="0"/>
-                <a:cs typeface="Times New Roman" panose="02020603050405020304" pitchFamily="18" charset="0"/>
-              </a:rPr>
-              <a:t>Platform</a:t>
-            </a:r>
-          </a:p>
-        </p:txBody>
-      </p:sp>
-      <p:sp>
-        <p:nvSpPr>
-          <p:cNvPr id="3" name="Subtitle 2">
-            <a:extLst>
-              <a:ext uri="{FF2B5EF4-FFF2-40B4-BE49-F238E27FC236}">
-                <a16:creationId xmlns:a16="http://schemas.microsoft.com/office/drawing/2014/main" id="{EAFF1395-5FC4-47EC-A9AB-95B0985F493A}"/>
-              </a:ext>
-            </a:extLst>
-          </p:cNvPr>
-          <p:cNvSpPr>
-            <a:spLocks noGrp="1"/>
-          </p:cNvSpPr>
-          <p:nvPr>
-            <p:ph type="subTitle" idx="1"/>
-          </p:nvPr>
-        </p:nvSpPr>
-        <p:spPr>
-          <a:xfrm>
-            <a:off x="1524000" y="3861530"/>
-            <a:ext cx="9144000" cy="1655762"/>
-          </a:xfrm>
-        </p:spPr>
-        <p:txBody>
-          <a:bodyPr/>
-          <a:lstStyle/>
-          <a:p>
-            <a:r>
-              <a:rPr lang="en-US" dirty="0">
-                <a:latin typeface="Times New Roman" panose="02020603050405020304" pitchFamily="18" charset="0"/>
-                <a:cs typeface="Times New Roman" panose="02020603050405020304" pitchFamily="18" charset="0"/>
-              </a:rPr>
-              <a:t>Bisham Raj Pandey-15</a:t>
-            </a:r>
-          </a:p>
-          <a:p>
-            <a:r>
-              <a:rPr lang="en-US" dirty="0">
-                <a:latin typeface="Times New Roman" panose="02020603050405020304" pitchFamily="18" charset="0"/>
-                <a:cs typeface="Times New Roman" panose="02020603050405020304" pitchFamily="18" charset="0"/>
-              </a:rPr>
-              <a:t>Bishal Regmi-14</a:t>
+                <a:ea typeface="Times New Roman" panose="02020603050405020304" pitchFamily="18" charset="0"/>
+              </a:rPr>
+              <a:t>Ratna Rajyalaxmi Campus</a:t>
             </a:r>
           </a:p>
         </p:txBody>
@@ -3461,7 +4660,7 @@
           <p:cNvPr id="2" name="Title 1">
             <a:extLst>
               <a:ext uri="{FF2B5EF4-FFF2-40B4-BE49-F238E27FC236}">
-                <a16:creationId xmlns:a16="http://schemas.microsoft.com/office/drawing/2014/main" id="{BC5358C8-8B31-48AE-96DC-4C1E33E39130}"/>
+                <a16:creationId xmlns:a16="http://schemas.microsoft.com/office/drawing/2014/main" id="{56FBD78A-B296-40EA-A17B-CA0D388D5223}"/>
               </a:ext>
             </a:extLst>
           </p:cNvPr>
@@ -3478,18 +4677,21 @@
           <a:lstStyle/>
           <a:p>
             <a:r>
-              <a:rPr lang="en-US" dirty="0"/>
-              <a:t>Gantt Chart</a:t>
+              <a:rPr lang="en-US" dirty="0">
+                <a:latin typeface="Times New Roman" panose="02020603050405020304" pitchFamily="18" charset="0"/>
+                <a:cs typeface="Times New Roman" panose="02020603050405020304" pitchFamily="18" charset="0"/>
+              </a:rPr>
+              <a:t>High Level Design of System</a:t>
             </a:r>
           </a:p>
         </p:txBody>
       </p:sp>
       <p:pic>
         <p:nvPicPr>
-          <p:cNvPr id="6" name="Content Placeholder 5">
-            <a:extLst>
-              <a:ext uri="{FF2B5EF4-FFF2-40B4-BE49-F238E27FC236}">
-                <a16:creationId xmlns:a16="http://schemas.microsoft.com/office/drawing/2014/main" id="{BE9A9FEB-7B8A-4F8D-A747-19DCAD9D9682}"/>
+          <p:cNvPr id="7" name="Content Placeholder 6">
+            <a:extLst>
+              <a:ext uri="{FF2B5EF4-FFF2-40B4-BE49-F238E27FC236}">
+                <a16:creationId xmlns:a16="http://schemas.microsoft.com/office/drawing/2014/main" id="{C688B0A7-4000-41B4-8775-3A55FDD20177}"/>
               </a:ext>
             </a:extLst>
           </p:cNvPr>
@@ -3514,15 +4716,15 @@
         </p:blipFill>
         <p:spPr>
           <a:xfrm>
-            <a:off x="838200" y="1962537"/>
-            <a:ext cx="10523122" cy="3511507"/>
+            <a:off x="3692493" y="1335809"/>
+            <a:ext cx="4807013" cy="5522191"/>
           </a:xfrm>
         </p:spPr>
       </p:pic>
     </p:spTree>
     <p:extLst>
       <p:ext uri="{BB962C8B-B14F-4D97-AF65-F5344CB8AC3E}">
-        <p14:creationId xmlns:p14="http://schemas.microsoft.com/office/powerpoint/2010/main" val="363729068"/>
+        <p14:creationId xmlns:p14="http://schemas.microsoft.com/office/powerpoint/2010/main" val="3678523221"/>
       </p:ext>
     </p:extLst>
   </p:cSld>
@@ -3554,7 +4756,7 @@
           <p:cNvPr id="2" name="Title 1">
             <a:extLst>
               <a:ext uri="{FF2B5EF4-FFF2-40B4-BE49-F238E27FC236}">
-                <a16:creationId xmlns:a16="http://schemas.microsoft.com/office/drawing/2014/main" id="{B3646E11-EC67-4733-BF17-6BFD7E4D169B}"/>
+                <a16:creationId xmlns:a16="http://schemas.microsoft.com/office/drawing/2014/main" id="{BC5358C8-8B31-48AE-96DC-4C1E33E39130}"/>
               </a:ext>
             </a:extLst>
           </p:cNvPr>
@@ -3575,140 +4777,50 @@
                 <a:latin typeface="Times New Roman" panose="02020603050405020304" pitchFamily="18" charset="0"/>
                 <a:cs typeface="Times New Roman" panose="02020603050405020304" pitchFamily="18" charset="0"/>
               </a:rPr>
-              <a:t>Expected Outcome</a:t>
-            </a:r>
-          </a:p>
-        </p:txBody>
-      </p:sp>
-      <p:sp>
-        <p:nvSpPr>
-          <p:cNvPr id="3" name="Content Placeholder 2">
-            <a:extLst>
-              <a:ext uri="{FF2B5EF4-FFF2-40B4-BE49-F238E27FC236}">
-                <a16:creationId xmlns:a16="http://schemas.microsoft.com/office/drawing/2014/main" id="{9533480F-15DA-4329-9FFB-D06B81678421}"/>
-              </a:ext>
-            </a:extLst>
-          </p:cNvPr>
-          <p:cNvSpPr>
-            <a:spLocks noGrp="1"/>
-          </p:cNvSpPr>
+              <a:t>Gantt Chart</a:t>
+            </a:r>
+          </a:p>
+        </p:txBody>
+      </p:sp>
+      <p:pic>
+        <p:nvPicPr>
+          <p:cNvPr id="7" name="Content Placeholder 6">
+            <a:extLst>
+              <a:ext uri="{FF2B5EF4-FFF2-40B4-BE49-F238E27FC236}">
+                <a16:creationId xmlns:a16="http://schemas.microsoft.com/office/drawing/2014/main" id="{3DCFA2B1-62D3-4BF7-A790-A653979048BF}"/>
+              </a:ext>
+            </a:extLst>
+          </p:cNvPr>
+          <p:cNvPicPr>
+            <a:picLocks noGrp="1" noChangeAspect="1"/>
+          </p:cNvPicPr>
           <p:nvPr>
             <p:ph idx="1"/>
           </p:nvPr>
-        </p:nvSpPr>
+        </p:nvPicPr>
+        <p:blipFill>
+          <a:blip r:embed="rId2">
+            <a:extLst>
+              <a:ext uri="{28A0092B-C50C-407E-A947-70E740481C1C}">
+                <a14:useLocalDpi xmlns:a14="http://schemas.microsoft.com/office/drawing/2010/main" val="0"/>
+              </a:ext>
+            </a:extLst>
+          </a:blip>
+          <a:stretch>
+            <a:fillRect/>
+          </a:stretch>
+        </p:blipFill>
         <p:spPr>
           <a:xfrm>
-            <a:off x="838200" y="1788554"/>
-            <a:ext cx="10515600" cy="4389823"/>
+            <a:off x="467600" y="1690688"/>
+            <a:ext cx="11256799" cy="4079917"/>
           </a:xfrm>
         </p:spPr>
-        <p:txBody>
-          <a:bodyPr>
-            <a:normAutofit/>
-          </a:bodyPr>
-          <a:lstStyle/>
-          <a:p>
-            <a:pPr marL="342900" marR="0" lvl="0" indent="-342900" algn="just">
-              <a:lnSpc>
-                <a:spcPct val="150000"/>
-              </a:lnSpc>
-              <a:spcBef>
-                <a:spcPts val="0"/>
-              </a:spcBef>
-              <a:spcAft>
-                <a:spcPts val="0"/>
-              </a:spcAft>
-              <a:buFont typeface="Symbol" panose="05050102010706020507" pitchFamily="18" charset="2"/>
-              <a:buChar char=""/>
-            </a:pPr>
-            <a:r>
-              <a:rPr lang="en-US" sz="2000" b="1" dirty="0">
-                <a:effectLst/>
-                <a:latin typeface="Times New Roman" panose="02020603050405020304" pitchFamily="18" charset="0"/>
-                <a:ea typeface="Symbol" panose="05050102010706020507" pitchFamily="18" charset="2"/>
-              </a:rPr>
-              <a:t>Improved User Experience: </a:t>
-            </a:r>
-            <a:r>
-              <a:rPr lang="en-US" sz="2000" dirty="0">
-                <a:effectLst/>
-                <a:latin typeface="Times New Roman" panose="02020603050405020304" pitchFamily="18" charset="0"/>
-                <a:ea typeface="Symbol" panose="05050102010706020507" pitchFamily="18" charset="2"/>
-              </a:rPr>
-              <a:t>Users will be able to effortlessly interact with the platform, swiping through songs, and enjoying the content with minimal effort. </a:t>
-            </a:r>
-          </a:p>
-          <a:p>
-            <a:pPr marL="342900" marR="0" lvl="0" indent="-342900" algn="just">
-              <a:lnSpc>
-                <a:spcPct val="150000"/>
-              </a:lnSpc>
-              <a:spcBef>
-                <a:spcPts val="0"/>
-              </a:spcBef>
-              <a:spcAft>
-                <a:spcPts val="0"/>
-              </a:spcAft>
-              <a:buFont typeface="Symbol" panose="05050102010706020507" pitchFamily="18" charset="2"/>
-              <a:buChar char=""/>
-            </a:pPr>
-            <a:r>
-              <a:rPr lang="en-US" sz="2000" b="1" dirty="0">
-                <a:effectLst/>
-                <a:latin typeface="Times New Roman" panose="02020603050405020304" pitchFamily="18" charset="0"/>
-                <a:ea typeface="Symbol" panose="05050102010706020507" pitchFamily="18" charset="2"/>
-              </a:rPr>
-              <a:t>Responsive Interface: </a:t>
-            </a:r>
-            <a:r>
-              <a:rPr lang="en-US" sz="2000" dirty="0">
-                <a:effectLst/>
-                <a:latin typeface="Times New Roman" panose="02020603050405020304" pitchFamily="18" charset="0"/>
-                <a:ea typeface="Symbol" panose="05050102010706020507" pitchFamily="18" charset="2"/>
-              </a:rPr>
-              <a:t>The platform will adapt seamlessly to various devices, ensuring smooth performance across all screen sizes. </a:t>
-            </a:r>
-          </a:p>
-          <a:p>
-            <a:pPr marL="342900" marR="0" lvl="0" indent="-342900" algn="just">
-              <a:lnSpc>
-                <a:spcPct val="150000"/>
-              </a:lnSpc>
-              <a:spcBef>
-                <a:spcPts val="0"/>
-              </a:spcBef>
-              <a:spcAft>
-                <a:spcPts val="0"/>
-              </a:spcAft>
-              <a:buFont typeface="Symbol" panose="05050102010706020507" pitchFamily="18" charset="2"/>
-              <a:buChar char=""/>
-            </a:pPr>
-            <a:r>
-              <a:rPr lang="en-US" sz="2000" b="1" dirty="0">
-                <a:effectLst/>
-                <a:latin typeface="Times New Roman" panose="02020603050405020304" pitchFamily="18" charset="0"/>
-                <a:ea typeface="Symbol" panose="05050102010706020507" pitchFamily="18" charset="2"/>
-              </a:rPr>
-              <a:t>Effective Communication: </a:t>
-            </a:r>
-            <a:r>
-              <a:rPr lang="en-US" sz="2000" dirty="0">
-                <a:effectLst/>
-                <a:latin typeface="Times New Roman" panose="02020603050405020304" pitchFamily="18" charset="0"/>
-                <a:ea typeface="Symbol" panose="05050102010706020507" pitchFamily="18" charset="2"/>
-              </a:rPr>
-              <a:t>Users and artists can engage with each other through features like direct messaging and comments, fostering better interaction. </a:t>
-            </a:r>
-          </a:p>
-          <a:p>
-            <a:endParaRPr lang="en-US" sz="2000" dirty="0"/>
-          </a:p>
-        </p:txBody>
-      </p:sp>
+      </p:pic>
     </p:spTree>
     <p:extLst>
       <p:ext uri="{BB962C8B-B14F-4D97-AF65-F5344CB8AC3E}">
-        <p14:creationId xmlns:p14="http://schemas.microsoft.com/office/powerpoint/2010/main" val="3478860741"/>
+        <p14:creationId xmlns:p14="http://schemas.microsoft.com/office/powerpoint/2010/main" val="363729068"/>
       </p:ext>
     </p:extLst>
   </p:cSld>
@@ -3740,7 +4852,7 @@
           <p:cNvPr id="2" name="Title 1">
             <a:extLst>
               <a:ext uri="{FF2B5EF4-FFF2-40B4-BE49-F238E27FC236}">
-                <a16:creationId xmlns:a16="http://schemas.microsoft.com/office/drawing/2014/main" id="{B8860317-F129-48B6-867E-8D65D17A3BA6}"/>
+                <a16:creationId xmlns:a16="http://schemas.microsoft.com/office/drawing/2014/main" id="{B3646E11-EC67-4733-BF17-6BFD7E4D169B}"/>
               </a:ext>
             </a:extLst>
           </p:cNvPr>
@@ -3761,6 +4873,192 @@
                 <a:latin typeface="Times New Roman" panose="02020603050405020304" pitchFamily="18" charset="0"/>
                 <a:cs typeface="Times New Roman" panose="02020603050405020304" pitchFamily="18" charset="0"/>
               </a:rPr>
+              <a:t>Expected Outcome</a:t>
+            </a:r>
+          </a:p>
+        </p:txBody>
+      </p:sp>
+      <p:sp>
+        <p:nvSpPr>
+          <p:cNvPr id="3" name="Content Placeholder 2">
+            <a:extLst>
+              <a:ext uri="{FF2B5EF4-FFF2-40B4-BE49-F238E27FC236}">
+                <a16:creationId xmlns:a16="http://schemas.microsoft.com/office/drawing/2014/main" id="{9533480F-15DA-4329-9FFB-D06B81678421}"/>
+              </a:ext>
+            </a:extLst>
+          </p:cNvPr>
+          <p:cNvSpPr>
+            <a:spLocks noGrp="1"/>
+          </p:cNvSpPr>
+          <p:nvPr>
+            <p:ph idx="1"/>
+          </p:nvPr>
+        </p:nvSpPr>
+        <p:spPr>
+          <a:xfrm>
+            <a:off x="838200" y="1788554"/>
+            <a:ext cx="10515600" cy="4389823"/>
+          </a:xfrm>
+        </p:spPr>
+        <p:txBody>
+          <a:bodyPr>
+            <a:normAutofit/>
+          </a:bodyPr>
+          <a:lstStyle/>
+          <a:p>
+            <a:pPr marL="342900" marR="0" lvl="0" indent="-342900" algn="just">
+              <a:lnSpc>
+                <a:spcPct val="150000"/>
+              </a:lnSpc>
+              <a:spcBef>
+                <a:spcPts val="0"/>
+              </a:spcBef>
+              <a:spcAft>
+                <a:spcPts val="0"/>
+              </a:spcAft>
+              <a:buFont typeface="Symbol" panose="05050102010706020507" pitchFamily="18" charset="2"/>
+              <a:buChar char=""/>
+            </a:pPr>
+            <a:r>
+              <a:rPr lang="en-US" sz="2000" b="1" dirty="0">
+                <a:effectLst/>
+                <a:latin typeface="Times New Roman" panose="02020603050405020304" pitchFamily="18" charset="0"/>
+                <a:ea typeface="Symbol" panose="05050102010706020507" pitchFamily="18" charset="2"/>
+              </a:rPr>
+              <a:t>Improved User Experience: </a:t>
+            </a:r>
+            <a:r>
+              <a:rPr lang="en-US" sz="2000" dirty="0">
+                <a:effectLst/>
+                <a:latin typeface="Times New Roman" panose="02020603050405020304" pitchFamily="18" charset="0"/>
+                <a:ea typeface="Symbol" panose="05050102010706020507" pitchFamily="18" charset="2"/>
+              </a:rPr>
+              <a:t>Users will be able to effortlessly interact with the platform, swiping through songs, and enjoying the content with minimal effort. </a:t>
+            </a:r>
+          </a:p>
+          <a:p>
+            <a:pPr marL="342900" marR="0" lvl="0" indent="-342900" algn="just">
+              <a:lnSpc>
+                <a:spcPct val="150000"/>
+              </a:lnSpc>
+              <a:spcBef>
+                <a:spcPts val="0"/>
+              </a:spcBef>
+              <a:spcAft>
+                <a:spcPts val="0"/>
+              </a:spcAft>
+              <a:buFont typeface="Symbol" panose="05050102010706020507" pitchFamily="18" charset="2"/>
+              <a:buChar char=""/>
+            </a:pPr>
+            <a:r>
+              <a:rPr lang="en-US" sz="2000" b="1" dirty="0">
+                <a:effectLst/>
+                <a:latin typeface="Times New Roman" panose="02020603050405020304" pitchFamily="18" charset="0"/>
+                <a:ea typeface="Symbol" panose="05050102010706020507" pitchFamily="18" charset="2"/>
+              </a:rPr>
+              <a:t>Responsive Interface: </a:t>
+            </a:r>
+            <a:r>
+              <a:rPr lang="en-US" sz="2000" dirty="0">
+                <a:effectLst/>
+                <a:latin typeface="Times New Roman" panose="02020603050405020304" pitchFamily="18" charset="0"/>
+                <a:ea typeface="Symbol" panose="05050102010706020507" pitchFamily="18" charset="2"/>
+              </a:rPr>
+              <a:t>The platform will adapt seamlessly to various devices, ensuring smooth performance across all screen sizes. </a:t>
+            </a:r>
+          </a:p>
+          <a:p>
+            <a:pPr marL="342900" marR="0" lvl="0" indent="-342900" algn="just">
+              <a:lnSpc>
+                <a:spcPct val="150000"/>
+              </a:lnSpc>
+              <a:spcBef>
+                <a:spcPts val="0"/>
+              </a:spcBef>
+              <a:spcAft>
+                <a:spcPts val="0"/>
+              </a:spcAft>
+              <a:buFont typeface="Symbol" panose="05050102010706020507" pitchFamily="18" charset="2"/>
+              <a:buChar char=""/>
+            </a:pPr>
+            <a:r>
+              <a:rPr lang="en-US" sz="2000" b="1" dirty="0">
+                <a:effectLst/>
+                <a:latin typeface="Times New Roman" panose="02020603050405020304" pitchFamily="18" charset="0"/>
+                <a:ea typeface="Symbol" panose="05050102010706020507" pitchFamily="18" charset="2"/>
+              </a:rPr>
+              <a:t>Effective Communication: </a:t>
+            </a:r>
+            <a:r>
+              <a:rPr lang="en-US" sz="2000" dirty="0">
+                <a:effectLst/>
+                <a:latin typeface="Times New Roman" panose="02020603050405020304" pitchFamily="18" charset="0"/>
+                <a:ea typeface="Symbol" panose="05050102010706020507" pitchFamily="18" charset="2"/>
+              </a:rPr>
+              <a:t>Users and artists can engage with each other through features like direct messaging and comments, fostering better interaction. </a:t>
+            </a:r>
+          </a:p>
+          <a:p>
+            <a:endParaRPr lang="en-US" sz="2000" dirty="0"/>
+          </a:p>
+        </p:txBody>
+      </p:sp>
+    </p:spTree>
+    <p:extLst>
+      <p:ext uri="{BB962C8B-B14F-4D97-AF65-F5344CB8AC3E}">
+        <p14:creationId xmlns:p14="http://schemas.microsoft.com/office/powerpoint/2010/main" val="3478860741"/>
+      </p:ext>
+    </p:extLst>
+  </p:cSld>
+  <p:clrMapOvr>
+    <a:masterClrMapping/>
+  </p:clrMapOvr>
+</p:sld>
+</file>
+
+<file path=ppt/slides/slide13.xml><?xml version="1.0" encoding="utf-8"?>
+<p:sld xmlns:a="http://schemas.openxmlformats.org/drawingml/2006/main" xmlns:r="http://schemas.openxmlformats.org/officeDocument/2006/relationships" xmlns:p="http://schemas.openxmlformats.org/presentationml/2006/main">
+  <p:cSld>
+    <p:spTree>
+      <p:nvGrpSpPr>
+        <p:cNvPr id="1" name=""/>
+        <p:cNvGrpSpPr/>
+        <p:nvPr/>
+      </p:nvGrpSpPr>
+      <p:grpSpPr>
+        <a:xfrm>
+          <a:off x="0" y="0"/>
+          <a:ext cx="0" cy="0"/>
+          <a:chOff x="0" y="0"/>
+          <a:chExt cx="0" cy="0"/>
+        </a:xfrm>
+      </p:grpSpPr>
+      <p:sp>
+        <p:nvSpPr>
+          <p:cNvPr id="2" name="Title 1">
+            <a:extLst>
+              <a:ext uri="{FF2B5EF4-FFF2-40B4-BE49-F238E27FC236}">
+                <a16:creationId xmlns:a16="http://schemas.microsoft.com/office/drawing/2014/main" id="{B8860317-F129-48B6-867E-8D65D17A3BA6}"/>
+              </a:ext>
+            </a:extLst>
+          </p:cNvPr>
+          <p:cNvSpPr>
+            <a:spLocks noGrp="1"/>
+          </p:cNvSpPr>
+          <p:nvPr>
+            <p:ph type="title"/>
+          </p:nvPr>
+        </p:nvSpPr>
+        <p:spPr/>
+        <p:txBody>
+          <a:bodyPr/>
+          <a:lstStyle/>
+          <a:p>
+            <a:r>
+              <a:rPr lang="en-US" dirty="0">
+                <a:latin typeface="Times New Roman" panose="02020603050405020304" pitchFamily="18" charset="0"/>
+                <a:cs typeface="Times New Roman" panose="02020603050405020304" pitchFamily="18" charset="0"/>
+              </a:rPr>
               <a:t>References</a:t>
             </a:r>
           </a:p>
@@ -3782,31 +5080,24 @@
             <p:ph idx="1"/>
             <p:extLst>
               <p:ext uri="{D42A27DB-BD31-4B8C-83A1-F6EECF244321}">
-                <p14:modId xmlns:p14="http://schemas.microsoft.com/office/powerpoint/2010/main" val="2231081738"/>
+                <p14:modId xmlns:p14="http://schemas.microsoft.com/office/powerpoint/2010/main" val="3042862883"/>
               </p:ext>
             </p:extLst>
           </p:nvPr>
         </p:nvGraphicFramePr>
         <p:xfrm>
           <a:off x="838200" y="1690688"/>
-          <a:ext cx="10515600" cy="2431384"/>
+          <a:ext cx="11022226" cy="4631358"/>
         </p:xfrm>
         <a:graphic>
           <a:graphicData uri="http://schemas.openxmlformats.org/drawingml/2006/table">
             <a:tbl>
               <a:tblPr firstRow="1" firstCol="1" bandRow="1"/>
               <a:tblGrid>
-                <a:gridCol w="262890">
+                <a:gridCol w="11022226">
                   <a:extLst>
                     <a:ext uri="{9D8B030D-6E8A-4147-A177-3AD203B41FA5}">
                       <a16:colId xmlns:a16="http://schemas.microsoft.com/office/drawing/2014/main" val="4068065382"/>
-                    </a:ext>
-                  </a:extLst>
-                </a:gridCol>
-                <a:gridCol w="10252710">
-                  <a:extLst>
-                    <a:ext uri="{9D8B030D-6E8A-4147-A177-3AD203B41FA5}">
-                      <a16:colId xmlns:a16="http://schemas.microsoft.com/office/drawing/2014/main" val="826682539"/>
                     </a:ext>
                   </a:extLst>
                 </a:gridCol>
@@ -3828,132 +5119,13 @@
                           <a:spcPts val="0"/>
                         </a:spcAft>
                       </a:pPr>
-                      <a:endParaRPr lang="en-US" sz="1600" dirty="0">
-                        <a:effectLst/>
-                        <a:latin typeface="Times New Roman" panose="02020603050405020304" pitchFamily="18" charset="0"/>
-                        <a:ea typeface="Times New Roman" panose="02020603050405020304" pitchFamily="18" charset="0"/>
-                      </a:endParaRPr>
-                    </a:p>
-                  </a:txBody>
-                  <a:tcPr marL="9525" marR="9525" marT="9525" marB="9525">
-                    <a:lnL>
-                      <a:noFill/>
-                    </a:lnL>
-                    <a:lnR>
-                      <a:noFill/>
-                    </a:lnR>
-                    <a:lnT>
-                      <a:noFill/>
-                    </a:lnT>
-                    <a:lnB>
-                      <a:noFill/>
-                    </a:lnB>
-                  </a:tcPr>
-                </a:tc>
-                <a:tc>
-                  <a:txBody>
-                    <a:bodyPr/>
-                    <a:lstStyle/>
-                    <a:p>
-                      <a:pPr marL="0" marR="0">
-                        <a:lnSpc>
-                          <a:spcPct val="150000"/>
-                        </a:lnSpc>
-                        <a:spcBef>
-                          <a:spcPts val="0"/>
-                        </a:spcBef>
-                        <a:spcAft>
-                          <a:spcPts val="0"/>
-                        </a:spcAft>
-                      </a:pPr>
-                      <a:endParaRPr lang="en-US" sz="1600" dirty="0">
-                        <a:effectLst/>
-                        <a:latin typeface="Times New Roman" panose="02020603050405020304" pitchFamily="18" charset="0"/>
-                        <a:ea typeface="Times New Roman" panose="02020603050405020304" pitchFamily="18" charset="0"/>
-                      </a:endParaRPr>
-                    </a:p>
-                  </a:txBody>
-                  <a:tcPr marL="9525" marR="9525" marT="9525" marB="9525">
-                    <a:lnL>
-                      <a:noFill/>
-                    </a:lnL>
-                    <a:lnR>
-                      <a:noFill/>
-                    </a:lnR>
-                    <a:lnT>
-                      <a:noFill/>
-                    </a:lnT>
-                    <a:lnB>
-                      <a:noFill/>
-                    </a:lnB>
-                  </a:tcPr>
-                </a:tc>
-                <a:extLst>
-                  <a:ext uri="{0D108BD9-81ED-4DB2-BD59-A6C34878D82A}">
-                    <a16:rowId xmlns:a16="http://schemas.microsoft.com/office/drawing/2014/main" val="4103983753"/>
-                  </a:ext>
-                </a:extLst>
-              </a:tr>
-              <a:tr h="691221">
-                <a:tc>
-                  <a:txBody>
-                    <a:bodyPr/>
-                    <a:lstStyle/>
-                    <a:p>
-                      <a:pPr marL="0" marR="0">
-                        <a:lnSpc>
-                          <a:spcPct val="150000"/>
-                        </a:lnSpc>
-                        <a:spcBef>
-                          <a:spcPts val="0"/>
-                        </a:spcBef>
-                        <a:spcAft>
-                          <a:spcPts val="0"/>
-                        </a:spcAft>
-                      </a:pPr>
-                      <a:endParaRPr lang="en-US" sz="1600">
-                        <a:effectLst/>
-                        <a:latin typeface="Times New Roman" panose="02020603050405020304" pitchFamily="18" charset="0"/>
-                        <a:ea typeface="Times New Roman" panose="02020603050405020304" pitchFamily="18" charset="0"/>
-                      </a:endParaRPr>
-                    </a:p>
-                  </a:txBody>
-                  <a:tcPr marL="9525" marR="9525" marT="9525" marB="9525">
-                    <a:lnL>
-                      <a:noFill/>
-                    </a:lnL>
-                    <a:lnR>
-                      <a:noFill/>
-                    </a:lnR>
-                    <a:lnT>
-                      <a:noFill/>
-                    </a:lnT>
-                    <a:lnB>
-                      <a:noFill/>
-                    </a:lnB>
-                  </a:tcPr>
-                </a:tc>
-                <a:tc>
-                  <a:txBody>
-                    <a:bodyPr/>
-                    <a:lstStyle/>
-                    <a:p>
-                      <a:pPr marL="0" marR="0">
-                        <a:lnSpc>
-                          <a:spcPct val="150000"/>
-                        </a:lnSpc>
-                        <a:spcBef>
-                          <a:spcPts val="0"/>
-                        </a:spcBef>
-                        <a:spcAft>
-                          <a:spcPts val="0"/>
-                        </a:spcAft>
-                      </a:pPr>
-                      <a:endParaRPr lang="en-US" sz="1600" dirty="0">
-                        <a:effectLst/>
-                        <a:latin typeface="Times New Roman" panose="02020603050405020304" pitchFamily="18" charset="0"/>
-                        <a:ea typeface="Times New Roman" panose="02020603050405020304" pitchFamily="18" charset="0"/>
-                      </a:endParaRPr>
+                      <a:r>
+                        <a:rPr lang="en-US" sz="1800" dirty="0">
+                          <a:effectLst/>
+                          <a:latin typeface="Times New Roman" panose="02020603050405020304" pitchFamily="18" charset="0"/>
+                        </a:rPr>
+                        <a:t>[1]  J. Daher, 18 11 2023. [Online]. Available: https://www.thedartmouth.com/article/2023/09/trends-shorter-songs. [Accessed 25 2 2025].</a:t>
+                      </a:r>
                     </a:p>
                   </a:txBody>
                   <a:tcPr marL="9525" marR="9525" marT="9525" marB="9525">
@@ -3977,6 +5149,161 @@
                   </a:ext>
                 </a:extLst>
               </a:tr>
+              <a:tr h="691221">
+                <a:tc>
+                  <a:txBody>
+                    <a:bodyPr/>
+                    <a:lstStyle/>
+                    <a:p>
+                      <a:pPr marL="0" marR="0">
+                        <a:lnSpc>
+                          <a:spcPct val="150000"/>
+                        </a:lnSpc>
+                        <a:spcBef>
+                          <a:spcPts val="0"/>
+                        </a:spcBef>
+                        <a:spcAft>
+                          <a:spcPts val="0"/>
+                        </a:spcAft>
+                      </a:pPr>
+                      <a:r>
+                        <a:rPr lang="en-US" sz="1800" dirty="0">
+                          <a:effectLst/>
+                          <a:latin typeface="Times New Roman" panose="02020603050405020304" pitchFamily="18" charset="0"/>
+                        </a:rPr>
+                        <a:t>[2] S. </a:t>
+                      </a:r>
+                      <a:r>
+                        <a:rPr lang="en-US" sz="1800" dirty="0" err="1">
+                          <a:effectLst/>
+                          <a:latin typeface="Times New Roman" panose="02020603050405020304" pitchFamily="18" charset="0"/>
+                        </a:rPr>
+                        <a:t>Bludov</a:t>
+                      </a:r>
+                      <a:r>
+                        <a:rPr lang="en-US" sz="1800" dirty="0">
+                          <a:effectLst/>
+                          <a:latin typeface="Times New Roman" panose="02020603050405020304" pitchFamily="18" charset="0"/>
+                        </a:rPr>
+                        <a:t>, "www.dataart.com," 12 2019. [Online]. Available: https://www.dataart.com/media/3234/shortening-attenting-spans-sb.pdf. [Accessed 23 2 2025].</a:t>
+                      </a:r>
+                    </a:p>
+                  </a:txBody>
+                  <a:tcPr marL="9525" marR="9525" marT="9525" marB="9525">
+                    <a:lnL>
+                      <a:noFill/>
+                    </a:lnL>
+                    <a:lnR>
+                      <a:noFill/>
+                    </a:lnR>
+                    <a:lnT>
+                      <a:noFill/>
+                    </a:lnT>
+                    <a:lnB>
+                      <a:noFill/>
+                    </a:lnB>
+                  </a:tcPr>
+                </a:tc>
+                <a:extLst>
+                  <a:ext uri="{0D108BD9-81ED-4DB2-BD59-A6C34878D82A}">
+                    <a16:rowId xmlns:a16="http://schemas.microsoft.com/office/drawing/2014/main" val="1609203959"/>
+                  </a:ext>
+                </a:extLst>
+              </a:tr>
+              <a:tr h="691221">
+                <a:tc>
+                  <a:txBody>
+                    <a:bodyPr/>
+                    <a:lstStyle/>
+                    <a:p>
+                      <a:pPr marL="0" marR="0">
+                        <a:lnSpc>
+                          <a:spcPct val="150000"/>
+                        </a:lnSpc>
+                        <a:spcBef>
+                          <a:spcPts val="0"/>
+                        </a:spcBef>
+                        <a:spcAft>
+                          <a:spcPts val="0"/>
+                        </a:spcAft>
+                      </a:pPr>
+                      <a:r>
+                        <a:rPr lang="en-US" sz="1800" dirty="0">
+                          <a:effectLst/>
+                          <a:latin typeface="Times New Roman" panose="02020603050405020304" pitchFamily="18" charset="0"/>
+                        </a:rPr>
+                        <a:t>[3] S. Stella, "publicknowledge.org," 9 3 2023. [Online]. Available: https://publicknowledge.org/new-public-knowledge-paper-shines-a-light-on-the-broken-music-streaming-industry. [Accessed 9 3 2023].</a:t>
+                      </a:r>
+                    </a:p>
+                  </a:txBody>
+                  <a:tcPr marL="9525" marR="9525" marT="9525" marB="9525">
+                    <a:lnL>
+                      <a:noFill/>
+                    </a:lnL>
+                    <a:lnR>
+                      <a:noFill/>
+                    </a:lnR>
+                    <a:lnT>
+                      <a:noFill/>
+                    </a:lnT>
+                    <a:lnB>
+                      <a:noFill/>
+                    </a:lnB>
+                  </a:tcPr>
+                </a:tc>
+                <a:extLst>
+                  <a:ext uri="{0D108BD9-81ED-4DB2-BD59-A6C34878D82A}">
+                    <a16:rowId xmlns:a16="http://schemas.microsoft.com/office/drawing/2014/main" val="7711641"/>
+                  </a:ext>
+                </a:extLst>
+              </a:tr>
+              <a:tr h="691221">
+                <a:tc>
+                  <a:txBody>
+                    <a:bodyPr/>
+                    <a:lstStyle/>
+                    <a:p>
+                      <a:pPr marL="0" marR="0">
+                        <a:lnSpc>
+                          <a:spcPct val="150000"/>
+                        </a:lnSpc>
+                        <a:spcBef>
+                          <a:spcPts val="0"/>
+                        </a:spcBef>
+                        <a:spcAft>
+                          <a:spcPts val="0"/>
+                        </a:spcAft>
+                      </a:pPr>
+                      <a:r>
+                        <a:rPr lang="en-US" sz="1800" dirty="0">
+                          <a:effectLst/>
+                          <a:latin typeface="Times New Roman" panose="02020603050405020304" pitchFamily="18" charset="0"/>
+                        </a:rPr>
+                        <a:t>[4] J. Shotwell, "https://artists.bandsintown.com/," [Online]. Available: https://artists.bandsintown.com/support/blog/short-attention-spans-are-dramatically-altering-songwriting-heres-how. [Accessed 25 2 2025].</a:t>
+                      </a:r>
+                    </a:p>
+                  </a:txBody>
+                  <a:tcPr marL="9525" marR="9525" marT="9525" marB="9525">
+                    <a:lnL>
+                      <a:noFill/>
+                    </a:lnL>
+                    <a:lnR>
+                      <a:noFill/>
+                    </a:lnR>
+                    <a:lnT>
+                      <a:noFill/>
+                    </a:lnT>
+                    <a:lnB>
+                      <a:noFill/>
+                    </a:lnB>
+                  </a:tcPr>
+                </a:tc>
+                <a:extLst>
+                  <a:ext uri="{0D108BD9-81ED-4DB2-BD59-A6C34878D82A}">
+                    <a16:rowId xmlns:a16="http://schemas.microsoft.com/office/drawing/2014/main" val="648019583"/>
+                  </a:ext>
+                </a:extLst>
+              </a:tr>
               <a:tr h="1048942">
                 <a:tc>
                   <a:txBody>
@@ -3994,49 +5321,13 @@
                           <a:spcPts val="0"/>
                         </a:spcAft>
                       </a:pPr>
-                      <a:endParaRPr lang="en-US" sz="1600">
-                        <a:effectLst/>
-                        <a:latin typeface="Times New Roman" panose="02020603050405020304" pitchFamily="18" charset="0"/>
-                        <a:ea typeface="Times New Roman" panose="02020603050405020304" pitchFamily="18" charset="0"/>
-                      </a:endParaRPr>
-                    </a:p>
-                  </a:txBody>
-                  <a:tcPr marL="9525" marR="9525" marT="9525" marB="9525">
-                    <a:lnL>
-                      <a:noFill/>
-                    </a:lnL>
-                    <a:lnR>
-                      <a:noFill/>
-                    </a:lnR>
-                    <a:lnT>
-                      <a:noFill/>
-                    </a:lnT>
-                    <a:lnB>
-                      <a:noFill/>
-                    </a:lnB>
-                  </a:tcPr>
-                </a:tc>
-                <a:tc>
-                  <a:txBody>
-                    <a:bodyPr/>
-                    <a:lstStyle/>
-                    <a:p>
-                      <a:pPr marL="0" marR="0">
-                        <a:lnSpc>
-                          <a:spcPct val="150000"/>
-                        </a:lnSpc>
-                        <a:spcBef>
-                          <a:spcPts val="0"/>
-                        </a:spcBef>
-                        <a:spcAft>
-                          <a:spcPts val="0"/>
-                        </a:spcAft>
-                      </a:pPr>
-                      <a:endParaRPr lang="en-US" sz="1600" dirty="0">
-                        <a:effectLst/>
-                        <a:latin typeface="Times New Roman" panose="02020603050405020304" pitchFamily="18" charset="0"/>
-                        <a:ea typeface="Times New Roman" panose="02020603050405020304" pitchFamily="18" charset="0"/>
-                      </a:endParaRPr>
+                      <a:r>
+                        <a:rPr lang="en-US" sz="1800" dirty="0">
+                          <a:effectLst/>
+                          <a:latin typeface="Times New Roman" panose="02020603050405020304" pitchFamily="18" charset="0"/>
+                        </a:rPr>
+                        <a:t>[5] "www.sharetopros.com/," 16 8 2023. [Online]. Available: https://www.sharetopros.com/blog/the-challenges-and-obstacles-facing-the-music-industry-today.php. [Accessed 25 2 2025].</a:t>
+                      </a:r>
                     </a:p>
                   </a:txBody>
                   <a:tcPr marL="9525" marR="9525" marT="9525" marB="9525">
@@ -4077,6 +5368,103 @@
 </p:sld>
 </file>
 
+<file path=ppt/slides/slide14.xml><?xml version="1.0" encoding="utf-8"?>
+<p:sld xmlns:a="http://schemas.openxmlformats.org/drawingml/2006/main" xmlns:r="http://schemas.openxmlformats.org/officeDocument/2006/relationships" xmlns:p="http://schemas.openxmlformats.org/presentationml/2006/main">
+  <p:cSld>
+    <p:spTree>
+      <p:nvGrpSpPr>
+        <p:cNvPr id="1" name=""/>
+        <p:cNvGrpSpPr/>
+        <p:nvPr/>
+      </p:nvGrpSpPr>
+      <p:grpSpPr>
+        <a:xfrm>
+          <a:off x="0" y="0"/>
+          <a:ext cx="0" cy="0"/>
+          <a:chOff x="0" y="0"/>
+          <a:chExt cx="0" cy="0"/>
+        </a:xfrm>
+      </p:grpSpPr>
+      <p:sp>
+        <p:nvSpPr>
+          <p:cNvPr id="2" name="Title 1">
+            <a:extLst>
+              <a:ext uri="{FF2B5EF4-FFF2-40B4-BE49-F238E27FC236}">
+                <a16:creationId xmlns:a16="http://schemas.microsoft.com/office/drawing/2014/main" id="{36E241B5-C22F-40D2-AA23-73D5E3C6528E}"/>
+              </a:ext>
+            </a:extLst>
+          </p:cNvPr>
+          <p:cNvSpPr>
+            <a:spLocks noGrp="1"/>
+          </p:cNvSpPr>
+          <p:nvPr>
+            <p:ph type="title"/>
+          </p:nvPr>
+        </p:nvSpPr>
+        <p:spPr/>
+        <p:txBody>
+          <a:bodyPr/>
+          <a:lstStyle/>
+          <a:p>
+            <a:endParaRPr lang="en-US"/>
+          </a:p>
+        </p:txBody>
+      </p:sp>
+      <p:sp>
+        <p:nvSpPr>
+          <p:cNvPr id="3" name="Content Placeholder 2">
+            <a:extLst>
+              <a:ext uri="{FF2B5EF4-FFF2-40B4-BE49-F238E27FC236}">
+                <a16:creationId xmlns:a16="http://schemas.microsoft.com/office/drawing/2014/main" id="{579217B5-FFAC-4A20-B385-07018CB92A45}"/>
+              </a:ext>
+            </a:extLst>
+          </p:cNvPr>
+          <p:cNvSpPr>
+            <a:spLocks noGrp="1"/>
+          </p:cNvSpPr>
+          <p:nvPr>
+            <p:ph idx="1"/>
+          </p:nvPr>
+        </p:nvSpPr>
+        <p:spPr/>
+        <p:txBody>
+          <a:bodyPr>
+            <a:normAutofit/>
+          </a:bodyPr>
+          <a:lstStyle/>
+          <a:p>
+            <a:pPr marL="0" indent="0" algn="ctr">
+              <a:buNone/>
+            </a:pPr>
+            <a:r>
+              <a:rPr lang="en-US" sz="8800" dirty="0"/>
+              <a:t>Thank</a:t>
+            </a:r>
+          </a:p>
+          <a:p>
+            <a:pPr marL="0" indent="0" algn="ctr">
+              <a:buNone/>
+            </a:pPr>
+            <a:r>
+              <a:rPr lang="en-US" sz="8800" dirty="0"/>
+              <a:t> You</a:t>
+            </a:r>
+          </a:p>
+        </p:txBody>
+      </p:sp>
+    </p:spTree>
+    <p:extLst>
+      <p:ext uri="{BB962C8B-B14F-4D97-AF65-F5344CB8AC3E}">
+        <p14:creationId xmlns:p14="http://schemas.microsoft.com/office/powerpoint/2010/main" val="352296681"/>
+      </p:ext>
+    </p:extLst>
+  </p:cSld>
+  <p:clrMapOvr>
+    <a:masterClrMapping/>
+  </p:clrMapOvr>
+</p:sld>
+</file>
+
 <file path=ppt/slides/slide2.xml><?xml version="1.0" encoding="utf-8"?>
 <p:sld xmlns:a="http://schemas.openxmlformats.org/drawingml/2006/main" xmlns:r="http://schemas.openxmlformats.org/officeDocument/2006/relationships" xmlns:p="http://schemas.openxmlformats.org/presentationml/2006/main">
   <p:cSld>
@@ -4266,8 +5654,11 @@
           <a:lstStyle/>
           <a:p>
             <a:r>
-              <a:rPr lang="en-US" dirty="0"/>
-              <a:t>Short Attention Spans and Song Previewing Needs:</a:t>
+              <a:rPr lang="en-US" dirty="0">
+                <a:latin typeface="Times New Roman" panose="02020603050405020304" pitchFamily="18" charset="0"/>
+                <a:cs typeface="Times New Roman" panose="02020603050405020304" pitchFamily="18" charset="0"/>
+              </a:rPr>
+              <a:t>Short Attention Spans and Song Previewing Needs.</a:t>
             </a:r>
           </a:p>
           <a:p>
@@ -4378,7 +5769,9 @@
         </p:nvSpPr>
         <p:spPr/>
         <p:txBody>
-          <a:bodyPr/>
+          <a:bodyPr>
+            <a:normAutofit/>
+          </a:bodyPr>
           <a:lstStyle/>
           <a:p>
             <a:pPr marL="342900" marR="0" lvl="0" indent="-342900" algn="just">
@@ -4395,7 +5788,7 @@
               <a:buChar char=""/>
             </a:pPr>
             <a:r>
-              <a:rPr lang="en-US" sz="2400" dirty="0">
+              <a:rPr lang="en-US" dirty="0">
                 <a:effectLst/>
                 <a:latin typeface="Times New Roman" panose="02020603050405020304" pitchFamily="18" charset="0"/>
                 <a:ea typeface="Times New Roman" panose="02020603050405020304" pitchFamily="18" charset="0"/>
@@ -4418,7 +5811,7 @@
               <a:buChar char=""/>
             </a:pPr>
             <a:r>
-              <a:rPr lang="en-US" sz="2400" dirty="0">
+              <a:rPr lang="en-US" dirty="0">
                 <a:effectLst/>
                 <a:latin typeface="Times New Roman" panose="02020603050405020304" pitchFamily="18" charset="0"/>
                 <a:ea typeface="Symbol" panose="05050102010706020507" pitchFamily="18" charset="2"/>
@@ -4441,7 +5834,7 @@
               <a:buChar char=""/>
             </a:pPr>
             <a:r>
-              <a:rPr lang="en-US" sz="2400" dirty="0">
+              <a:rPr lang="en-US" dirty="0">
                 <a:effectLst/>
                 <a:latin typeface="Times New Roman" panose="02020603050405020304" pitchFamily="18" charset="0"/>
                 <a:ea typeface="Symbol" panose="05050102010706020507" pitchFamily="18" charset="2"/>
@@ -4560,6 +5953,7 @@
                 <a:effectLst/>
                 <a:latin typeface="Times New Roman" panose="02020603050405020304" pitchFamily="18" charset="0"/>
                 <a:ea typeface="Times New Roman" panose="02020603050405020304" pitchFamily="18" charset="0"/>
+                <a:cs typeface="Times New Roman" panose="02020603050405020304" pitchFamily="18" charset="0"/>
               </a:rPr>
               <a:t>Music recommendations are often generic and fail to adapt to user preferences.</a:t>
             </a:r>
@@ -4580,6 +5974,7 @@
                 <a:effectLst/>
                 <a:latin typeface="Times New Roman" panose="02020603050405020304" pitchFamily="18" charset="0"/>
                 <a:ea typeface="Times New Roman" panose="02020603050405020304" pitchFamily="18" charset="0"/>
+                <a:cs typeface="Times New Roman" panose="02020603050405020304" pitchFamily="18" charset="0"/>
               </a:rPr>
               <a:t>Users struggle to find new music that matches their tastes.</a:t>
             </a:r>
@@ -4600,6 +5995,7 @@
                 <a:effectLst/>
                 <a:latin typeface="Times New Roman" panose="02020603050405020304" pitchFamily="18" charset="0"/>
                 <a:ea typeface="Times New Roman" panose="02020603050405020304" pitchFamily="18" charset="0"/>
+                <a:cs typeface="Times New Roman" panose="02020603050405020304" pitchFamily="18" charset="0"/>
               </a:rPr>
               <a:t>Playlist creation can be tedious, with too many options and no personalized filtering.</a:t>
             </a:r>
@@ -4614,7 +6010,10 @@
               </a:spcBef>
             </a:pPr>
             <a:r>
-              <a:rPr lang="en-US" dirty="0"/>
+              <a:rPr lang="en-US" dirty="0">
+                <a:latin typeface="Times New Roman" panose="02020603050405020304" pitchFamily="18" charset="0"/>
+                <a:cs typeface="Times New Roman" panose="02020603050405020304" pitchFamily="18" charset="0"/>
+              </a:rPr>
               <a:t>Advantages of </a:t>
             </a:r>
             <a:r>
@@ -4622,11 +6021,15 @@
                 <a:effectLst/>
                 <a:latin typeface="Times New Roman" panose="02020603050405020304" pitchFamily="18" charset="0"/>
                 <a:ea typeface="Times New Roman" panose="02020603050405020304" pitchFamily="18" charset="0"/>
+                <a:cs typeface="Times New Roman" panose="02020603050405020304" pitchFamily="18" charset="0"/>
               </a:rPr>
               <a:t>Proposed</a:t>
             </a:r>
             <a:r>
-              <a:rPr lang="en-US" dirty="0"/>
+              <a:rPr lang="en-US" dirty="0">
+                <a:latin typeface="Times New Roman" panose="02020603050405020304" pitchFamily="18" charset="0"/>
+                <a:cs typeface="Times New Roman" panose="02020603050405020304" pitchFamily="18" charset="0"/>
+              </a:rPr>
               <a:t> system</a:t>
             </a:r>
           </a:p>
@@ -4642,7 +6045,10 @@
               <a:buAutoNum type="romanLcPeriod"/>
             </a:pPr>
             <a:r>
-              <a:rPr lang="en-US" sz="1800" dirty="0"/>
+              <a:rPr lang="en-US" sz="1800" dirty="0">
+                <a:latin typeface="Times New Roman" panose="02020603050405020304" pitchFamily="18" charset="0"/>
+                <a:cs typeface="Times New Roman" panose="02020603050405020304" pitchFamily="18" charset="0"/>
+              </a:rPr>
               <a:t>The recommendation system adapts in real-time based on user interactions.</a:t>
             </a:r>
           </a:p>
@@ -4658,7 +6064,10 @@
               <a:buAutoNum type="romanLcPeriod"/>
             </a:pPr>
             <a:r>
-              <a:rPr lang="en-US" sz="1800" dirty="0"/>
+              <a:rPr lang="en-US" sz="1800" dirty="0">
+                <a:latin typeface="Times New Roman" panose="02020603050405020304" pitchFamily="18" charset="0"/>
+                <a:cs typeface="Times New Roman" panose="02020603050405020304" pitchFamily="18" charset="0"/>
+              </a:rPr>
               <a:t>Users can easily curate playlists from songs they have already liked.</a:t>
             </a:r>
           </a:p>
@@ -4674,7 +6083,10 @@
               <a:buAutoNum type="romanLcPeriod"/>
             </a:pPr>
             <a:r>
-              <a:rPr lang="en-US" sz="1800" dirty="0"/>
+              <a:rPr lang="en-US" sz="1800" dirty="0">
+                <a:latin typeface="Times New Roman" panose="02020603050405020304" pitchFamily="18" charset="0"/>
+                <a:cs typeface="Times New Roman" panose="02020603050405020304" pitchFamily="18" charset="0"/>
+              </a:rPr>
               <a:t>The preview system helps users quickly decide if they enjoy a song.</a:t>
             </a:r>
           </a:p>
@@ -4691,6 +6103,7 @@
               <a:effectLst/>
               <a:latin typeface="Times New Roman" panose="02020603050405020304" pitchFamily="18" charset="0"/>
               <a:ea typeface="Times New Roman" panose="02020603050405020304" pitchFamily="18" charset="0"/>
+              <a:cs typeface="Times New Roman" panose="02020603050405020304" pitchFamily="18" charset="0"/>
             </a:endParaRPr>
           </a:p>
           <a:p>
@@ -4710,6 +6123,7 @@
               <a:effectLst/>
               <a:latin typeface="Times New Roman" panose="02020603050405020304" pitchFamily="18" charset="0"/>
               <a:ea typeface="Times New Roman" panose="02020603050405020304" pitchFamily="18" charset="0"/>
+              <a:cs typeface="Times New Roman" panose="02020603050405020304" pitchFamily="18" charset="0"/>
             </a:endParaRPr>
           </a:p>
           <a:p>
@@ -4717,7 +6131,10 @@
               <a:buFont typeface="+mj-lt"/>
               <a:buAutoNum type="romanLcPeriod"/>
             </a:pPr>
-            <a:endParaRPr lang="en-US" dirty="0"/>
+            <a:endParaRPr lang="en-US" dirty="0">
+              <a:latin typeface="Times New Roman" panose="02020603050405020304" pitchFamily="18" charset="0"/>
+              <a:cs typeface="Times New Roman" panose="02020603050405020304" pitchFamily="18" charset="0"/>
+            </a:endParaRPr>
           </a:p>
         </p:txBody>
       </p:sp>
@@ -4853,7 +6270,7 @@
           <p:cNvPr id="2" name="Title 1">
             <a:extLst>
               <a:ext uri="{FF2B5EF4-FFF2-40B4-BE49-F238E27FC236}">
-                <a16:creationId xmlns:a16="http://schemas.microsoft.com/office/drawing/2014/main" id="{272BCABE-A3D8-4716-A3B0-CE46EF5C0741}"/>
+                <a16:creationId xmlns:a16="http://schemas.microsoft.com/office/drawing/2014/main" id="{762AD23D-9CB9-4F39-A9B0-B27E12BC2571}"/>
               </a:ext>
             </a:extLst>
           </p:cNvPr>
@@ -4870,12 +6287,13 @@
           <a:lstStyle/>
           <a:p>
             <a:r>
-              <a:rPr lang="en-US" dirty="0">
+              <a:rPr lang="en-US" sz="4400" b="1" dirty="0">
+                <a:effectLst/>
                 <a:latin typeface="Times New Roman" panose="02020603050405020304" pitchFamily="18" charset="0"/>
-                <a:cs typeface="Times New Roman" panose="02020603050405020304" pitchFamily="18" charset="0"/>
-              </a:rPr>
-              <a:t>Feasibility study</a:t>
-            </a:r>
+              </a:rPr>
+              <a:t>Description of Algorithm</a:t>
+            </a:r>
+            <a:endParaRPr lang="en-US" dirty="0"/>
           </a:p>
         </p:txBody>
       </p:sp>
@@ -4884,7 +6302,7 @@
           <p:cNvPr id="3" name="Content Placeholder 2">
             <a:extLst>
               <a:ext uri="{FF2B5EF4-FFF2-40B4-BE49-F238E27FC236}">
-                <a16:creationId xmlns:a16="http://schemas.microsoft.com/office/drawing/2014/main" id="{9418F811-0705-4B64-A8D9-915EBDB7956D}"/>
+                <a16:creationId xmlns:a16="http://schemas.microsoft.com/office/drawing/2014/main" id="{1C2EED96-EB70-454E-8CE8-1C328A384567}"/>
               </a:ext>
             </a:extLst>
           </p:cNvPr>
@@ -4895,36 +6313,14 @@
             <p:ph idx="1"/>
           </p:nvPr>
         </p:nvSpPr>
-        <p:spPr>
-          <a:xfrm>
-            <a:off x="838200" y="1470454"/>
-            <a:ext cx="10515600" cy="4706509"/>
-          </a:xfrm>
-        </p:spPr>
+        <p:spPr/>
         <p:txBody>
           <a:bodyPr>
-            <a:normAutofit lnSpcReduction="10000"/>
+            <a:normAutofit fontScale="92500" lnSpcReduction="10000"/>
           </a:bodyPr>
           <a:lstStyle/>
           <a:p>
-            <a:pPr>
-              <a:lnSpc>
-                <a:spcPct val="150000"/>
-              </a:lnSpc>
-              <a:spcBef>
-                <a:spcPts val="0"/>
-              </a:spcBef>
-            </a:pPr>
-            <a:r>
-              <a:rPr lang="en-US" sz="3000" b="1" dirty="0">
-                <a:effectLst/>
-                <a:latin typeface="Times New Roman" panose="02020603050405020304" pitchFamily="18" charset="0"/>
-              </a:rPr>
-              <a:t>Technical</a:t>
-            </a:r>
-          </a:p>
-          <a:p>
-            <a:pPr marR="0" indent="0" algn="just">
+            <a:pPr marL="0" marR="0" indent="0">
               <a:lnSpc>
                 <a:spcPct val="150000"/>
               </a:lnSpc>
@@ -4937,16 +6333,16 @@
               <a:buNone/>
             </a:pPr>
             <a:r>
-              <a:rPr lang="en-US" sz="1800" dirty="0">
+              <a:rPr lang="en-US" sz="2200" dirty="0">
                 <a:effectLst/>
                 <a:latin typeface="Times New Roman" panose="02020603050405020304" pitchFamily="18" charset="0"/>
                 <a:ea typeface="Times New Roman" panose="02020603050405020304" pitchFamily="18" charset="0"/>
               </a:rPr>
-              <a:t>The implementation of the system is adaptable to a range of current technologies and is designed to integrate with any future technologies that may be introduced.</a:t>
-            </a:r>
-          </a:p>
-          <a:p>
-            <a:pPr marL="628650" marR="0" indent="-400050" algn="just">
+              <a:t>Collaborative filtering is a recommendation technique that predicts a user’s preferences based on the behavior of similar users. Instead of analyzing song attributes, it focuses on user interactions, making recommendations more personalized and dynamic.</a:t>
+            </a:r>
+          </a:p>
+          <a:p>
+            <a:pPr marL="0" marR="0" indent="0">
               <a:lnSpc>
                 <a:spcPct val="150000"/>
               </a:lnSpc>
@@ -4956,58 +6352,16 @@
               <a:spcAft>
                 <a:spcPts val="0"/>
               </a:spcAft>
-              <a:buFont typeface="+mj-lt"/>
-              <a:buAutoNum type="romanLcPeriod"/>
+              <a:buNone/>
             </a:pPr>
-            <a:r>
-              <a:rPr lang="en-US" sz="1800" dirty="0">
-                <a:effectLst/>
-                <a:latin typeface="Times New Roman" panose="02020603050405020304" pitchFamily="18" charset="0"/>
-                <a:ea typeface="Times New Roman" panose="02020603050405020304" pitchFamily="18" charset="0"/>
-              </a:rPr>
-              <a:t>Hardware Requirement</a:t>
-            </a:r>
-          </a:p>
-          <a:p>
-            <a:pPr indent="0" algn="just">
-              <a:lnSpc>
-                <a:spcPct val="150000"/>
-              </a:lnSpc>
-              <a:spcBef>
-                <a:spcPts val="0"/>
-              </a:spcBef>
-              <a:buNone/>
-            </a:pPr>
-            <a:r>
-              <a:rPr lang="en-US" sz="1800" dirty="0">
-                <a:effectLst/>
-                <a:latin typeface="Times New Roman" panose="02020603050405020304" pitchFamily="18" charset="0"/>
-                <a:ea typeface="Times New Roman" panose="02020603050405020304" pitchFamily="18" charset="0"/>
-              </a:rPr>
-              <a:t>	Dell Vostro</a:t>
-            </a:r>
-          </a:p>
-          <a:p>
-            <a:pPr indent="0" algn="just">
-              <a:lnSpc>
-                <a:spcPct val="150000"/>
-              </a:lnSpc>
-              <a:spcBef>
-                <a:spcPts val="0"/>
-              </a:spcBef>
-              <a:buNone/>
-            </a:pPr>
-            <a:r>
-              <a:rPr lang="en-US" sz="1800" dirty="0">
-                <a:effectLst/>
-                <a:latin typeface="Times New Roman" panose="02020603050405020304" pitchFamily="18" charset="0"/>
-                <a:ea typeface="Times New Roman" panose="02020603050405020304" pitchFamily="18" charset="0"/>
-              </a:rPr>
-              <a:t>            8 GB RAM</a:t>
-            </a:r>
-          </a:p>
-          <a:p>
-            <a:pPr marL="0" marR="0" lvl="0" indent="0" algn="just">
+            <a:endParaRPr lang="en-US" sz="1800" dirty="0">
+              <a:effectLst/>
+              <a:latin typeface="Times New Roman" panose="02020603050405020304" pitchFamily="18" charset="0"/>
+              <a:ea typeface="Times New Roman" panose="02020603050405020304" pitchFamily="18" charset="0"/>
+            </a:endParaRPr>
+          </a:p>
+          <a:p>
+            <a:pPr marL="0" marR="0" indent="0">
               <a:lnSpc>
                 <a:spcPct val="150000"/>
               </a:lnSpc>
@@ -5020,89 +6374,155 @@
               <a:buNone/>
             </a:pPr>
             <a:r>
-              <a:rPr lang="en-US" sz="1800" dirty="0">
+              <a:rPr lang="en-US" sz="2200" dirty="0">
                 <a:effectLst/>
                 <a:latin typeface="Times New Roman" panose="02020603050405020304" pitchFamily="18" charset="0"/>
                 <a:ea typeface="Times New Roman" panose="02020603050405020304" pitchFamily="18" charset="0"/>
               </a:rPr>
-              <a:t>ii.    Software Requirement </a:t>
-            </a:r>
-          </a:p>
-          <a:p>
-            <a:pPr marL="914400" marR="0" algn="just">
+              <a:t>Working of Collaborative Filtering:</a:t>
+            </a:r>
+          </a:p>
+          <a:p>
+            <a:pPr marL="800100" lvl="1" indent="-342900">
               <a:lnSpc>
                 <a:spcPct val="150000"/>
               </a:lnSpc>
               <a:spcBef>
                 <a:spcPts val="0"/>
               </a:spcBef>
-              <a:spcAft>
-                <a:spcPts val="0"/>
-              </a:spcAft>
+              <a:buFont typeface="Symbol" panose="05050102010706020507" pitchFamily="18" charset="2"/>
+              <a:buChar char=""/>
             </a:pPr>
+            <a:r>
+              <a:rPr lang="en-US" sz="1800" b="1" dirty="0">
+                <a:effectLst/>
+                <a:latin typeface="Times New Roman" panose="02020603050405020304" pitchFamily="18" charset="0"/>
+                <a:ea typeface="Times New Roman" panose="02020603050405020304" pitchFamily="18" charset="0"/>
+              </a:rPr>
+              <a:t>Data Collection –</a:t>
+            </a:r>
             <a:r>
               <a:rPr lang="en-US" sz="1800" dirty="0">
                 <a:effectLst/>
                 <a:latin typeface="Times New Roman" panose="02020603050405020304" pitchFamily="18" charset="0"/>
                 <a:ea typeface="Times New Roman" panose="02020603050405020304" pitchFamily="18" charset="0"/>
               </a:rPr>
-              <a:t>Operating System: Windows</a:t>
-            </a:r>
-          </a:p>
-          <a:p>
-            <a:pPr marL="914400" marR="0" algn="just">
+              <a:t> Gathers user interactions (likes, skips, listening duration) to build a preference database.</a:t>
+            </a:r>
+          </a:p>
+          <a:p>
+            <a:pPr marL="800100" lvl="1" indent="-342900">
               <a:lnSpc>
                 <a:spcPct val="150000"/>
               </a:lnSpc>
               <a:spcBef>
                 <a:spcPts val="0"/>
               </a:spcBef>
-              <a:spcAft>
-                <a:spcPts val="0"/>
-              </a:spcAft>
+              <a:buFont typeface="Symbol" panose="05050102010706020507" pitchFamily="18" charset="2"/>
+              <a:buChar char=""/>
             </a:pPr>
+            <a:r>
+              <a:rPr lang="en-US" sz="1800" b="1" dirty="0">
+                <a:effectLst/>
+                <a:latin typeface="Times New Roman" panose="02020603050405020304" pitchFamily="18" charset="0"/>
+                <a:ea typeface="Times New Roman" panose="02020603050405020304" pitchFamily="18" charset="0"/>
+              </a:rPr>
+              <a:t>User-Item Matrix Creation –</a:t>
+            </a:r>
             <a:r>
               <a:rPr lang="en-US" sz="1800" dirty="0">
                 <a:effectLst/>
                 <a:latin typeface="Times New Roman" panose="02020603050405020304" pitchFamily="18" charset="0"/>
                 <a:ea typeface="Times New Roman" panose="02020603050405020304" pitchFamily="18" charset="0"/>
               </a:rPr>
-              <a:t>Web Browser: IE 10 or above, Mozilla FF and above or Google Chrome</a:t>
-            </a:r>
-          </a:p>
-          <a:p>
-            <a:pPr marL="914400" marR="0" algn="just">
+              <a:t> Constructs a matrix mapping user to songs based on their interactions.</a:t>
+            </a:r>
+          </a:p>
+          <a:p>
+            <a:pPr marL="800100" lvl="1" indent="-342900">
               <a:lnSpc>
                 <a:spcPct val="150000"/>
               </a:lnSpc>
               <a:spcBef>
                 <a:spcPts val="0"/>
               </a:spcBef>
-              <a:spcAft>
-                <a:spcPts val="0"/>
-              </a:spcAft>
+              <a:buFont typeface="Symbol" panose="05050102010706020507" pitchFamily="18" charset="2"/>
+              <a:buChar char=""/>
             </a:pPr>
+            <a:r>
+              <a:rPr lang="en-US" sz="1800" b="1" dirty="0">
+                <a:effectLst/>
+                <a:latin typeface="Times New Roman" panose="02020603050405020304" pitchFamily="18" charset="0"/>
+                <a:ea typeface="Times New Roman" panose="02020603050405020304" pitchFamily="18" charset="0"/>
+              </a:rPr>
+              <a:t>Similarity Calculation –</a:t>
+            </a:r>
             <a:r>
               <a:rPr lang="en-US" sz="1800" dirty="0">
                 <a:effectLst/>
                 <a:latin typeface="Times New Roman" panose="02020603050405020304" pitchFamily="18" charset="0"/>
                 <a:ea typeface="Times New Roman" panose="02020603050405020304" pitchFamily="18" charset="0"/>
               </a:rPr>
-              <a:t>Draw.io</a:t>
-            </a:r>
-          </a:p>
-          <a:p>
-            <a:pPr marL="0" indent="0">
-              <a:buNone/>
+              <a:t> Identifies users with similar listening behaviors using similarity metrics like cosine similarity.</a:t>
+            </a:r>
+          </a:p>
+          <a:p>
+            <a:pPr marL="800100" lvl="1" indent="-342900">
+              <a:lnSpc>
+                <a:spcPct val="150000"/>
+              </a:lnSpc>
+              <a:spcBef>
+                <a:spcPts val="0"/>
+              </a:spcBef>
+              <a:buFont typeface="Symbol" panose="05050102010706020507" pitchFamily="18" charset="2"/>
+              <a:buChar char=""/>
             </a:pPr>
+            <a:r>
+              <a:rPr lang="en-US" sz="1800" b="1" dirty="0">
+                <a:effectLst/>
+                <a:latin typeface="Times New Roman" panose="02020603050405020304" pitchFamily="18" charset="0"/>
+                <a:ea typeface="Times New Roman" panose="02020603050405020304" pitchFamily="18" charset="0"/>
+              </a:rPr>
+              <a:t>Recommendation Generation –</a:t>
+            </a:r>
             <a:r>
               <a:rPr lang="en-US" sz="1800" dirty="0">
                 <a:effectLst/>
                 <a:latin typeface="Times New Roman" panose="02020603050405020304" pitchFamily="18" charset="0"/>
                 <a:ea typeface="Times New Roman" panose="02020603050405020304" pitchFamily="18" charset="0"/>
               </a:rPr>
-              <a:t>iii.  Language used:</a:t>
-            </a:r>
+              <a:t> Suggests songs a user hasn’t heard based on what similar users enjoy.</a:t>
+            </a:r>
+          </a:p>
+          <a:p>
+            <a:pPr marL="800100" lvl="1" indent="-342900">
+              <a:lnSpc>
+                <a:spcPct val="150000"/>
+              </a:lnSpc>
+              <a:spcBef>
+                <a:spcPts val="0"/>
+              </a:spcBef>
+              <a:buFont typeface="Symbol" panose="05050102010706020507" pitchFamily="18" charset="2"/>
+              <a:buChar char=""/>
+            </a:pPr>
+            <a:r>
+              <a:rPr lang="en-US" sz="1800" b="1" dirty="0">
+                <a:effectLst/>
+                <a:latin typeface="Times New Roman" panose="02020603050405020304" pitchFamily="18" charset="0"/>
+                <a:ea typeface="Times New Roman" panose="02020603050405020304" pitchFamily="18" charset="0"/>
+              </a:rPr>
+              <a:t>Continuous Improvement –</a:t>
+            </a:r>
+            <a:r>
+              <a:rPr lang="en-US" sz="1800" dirty="0">
+                <a:effectLst/>
+                <a:latin typeface="Times New Roman" panose="02020603050405020304" pitchFamily="18" charset="0"/>
+                <a:ea typeface="Times New Roman" panose="02020603050405020304" pitchFamily="18" charset="0"/>
+              </a:rPr>
+              <a:t> Updates recommendations in real-time as users interact with new songs.</a:t>
+            </a:r>
+          </a:p>
+          <a:p>
             <a:endParaRPr lang="en-US" dirty="0"/>
           </a:p>
         </p:txBody>
@@ -5110,7 +6530,7 @@
     </p:spTree>
     <p:extLst>
       <p:ext uri="{BB962C8B-B14F-4D97-AF65-F5344CB8AC3E}">
-        <p14:creationId xmlns:p14="http://schemas.microsoft.com/office/powerpoint/2010/main" val="2413400753"/>
+        <p14:creationId xmlns:p14="http://schemas.microsoft.com/office/powerpoint/2010/main" val="4058662018"/>
       </p:ext>
     </p:extLst>
   </p:cSld>
@@ -5142,7 +6562,7 @@
           <p:cNvPr id="2" name="Title 1">
             <a:extLst>
               <a:ext uri="{FF2B5EF4-FFF2-40B4-BE49-F238E27FC236}">
-                <a16:creationId xmlns:a16="http://schemas.microsoft.com/office/drawing/2014/main" id="{71279041-0A21-406F-A43E-2CFCEF28B289}"/>
+                <a16:creationId xmlns:a16="http://schemas.microsoft.com/office/drawing/2014/main" id="{272BCABE-A3D8-4716-A3B0-CE46EF5C0741}"/>
               </a:ext>
             </a:extLst>
           </p:cNvPr>
@@ -5173,7 +6593,7 @@
           <p:cNvPr id="3" name="Content Placeholder 2">
             <a:extLst>
               <a:ext uri="{FF2B5EF4-FFF2-40B4-BE49-F238E27FC236}">
-                <a16:creationId xmlns:a16="http://schemas.microsoft.com/office/drawing/2014/main" id="{AB519440-C629-44C3-B2A0-445F758ECA01}"/>
+                <a16:creationId xmlns:a16="http://schemas.microsoft.com/office/drawing/2014/main" id="{9418F811-0705-4B64-A8D9-915EBDB7956D}"/>
               </a:ext>
             </a:extLst>
           </p:cNvPr>
@@ -5184,23 +6604,46 @@
             <p:ph idx="1"/>
           </p:nvPr>
         </p:nvSpPr>
-        <p:spPr/>
-        <p:txBody>
-          <a:bodyPr/>
+        <p:spPr>
+          <a:xfrm>
+            <a:off x="838200" y="1470454"/>
+            <a:ext cx="10515600" cy="4706509"/>
+          </a:xfrm>
+        </p:spPr>
+        <p:txBody>
+          <a:bodyPr>
+            <a:normAutofit/>
+          </a:bodyPr>
           <a:lstStyle/>
           <a:p>
+            <a:pPr>
+              <a:lnSpc>
+                <a:spcPct val="150000"/>
+              </a:lnSpc>
+              <a:spcBef>
+                <a:spcPts val="0"/>
+              </a:spcBef>
+            </a:pPr>
             <a:r>
               <a:rPr lang="en-US" b="1" dirty="0">
+                <a:effectLst/>
                 <a:latin typeface="Times New Roman" panose="02020603050405020304" pitchFamily="18" charset="0"/>
-                <a:cs typeface="Times New Roman" panose="02020603050405020304" pitchFamily="18" charset="0"/>
-              </a:rPr>
-              <a:t>Operational</a:t>
-            </a:r>
-          </a:p>
-          <a:p>
-            <a:pPr marL="571500" indent="-571500">
-              <a:buFont typeface="+mj-lt"/>
-              <a:buAutoNum type="romanLcPeriod"/>
+              </a:rPr>
+              <a:t>Technical</a:t>
+            </a:r>
+          </a:p>
+          <a:p>
+            <a:pPr marR="0" indent="0" algn="just">
+              <a:lnSpc>
+                <a:spcPct val="150000"/>
+              </a:lnSpc>
+              <a:spcBef>
+                <a:spcPts val="0"/>
+              </a:spcBef>
+              <a:spcAft>
+                <a:spcPts val="0"/>
+              </a:spcAft>
+              <a:buNone/>
             </a:pPr>
             <a:r>
               <a:rPr lang="en-US" sz="1800" dirty="0">
@@ -5208,109 +6651,45 @@
                 <a:latin typeface="Times New Roman" panose="02020603050405020304" pitchFamily="18" charset="0"/>
                 <a:ea typeface="Times New Roman" panose="02020603050405020304" pitchFamily="18" charset="0"/>
               </a:rPr>
-              <a:t>The existing operational model ensures efficient throughput and quick response times.</a:t>
-            </a:r>
-          </a:p>
-          <a:p>
-            <a:pPr marL="571500" indent="-571500">
-              <a:buFont typeface="+mj-lt"/>
-              <a:buAutoNum type="romanLcPeriod"/>
+              <a:t>The proposed music streaming platform is technically feasible, utilizing the MERN stack (MongoDB, Express.js, React.js, Node.js) for a seamless full-stack environment. MongoDB efficiently manages music data, while Node.js enables real-time recommendation updates and playback. The system is scalable. Performance challenges, such as smooth music transitions and optimized database queries, will be addressed through efficient backend logic. Overall, the chosen technologies ensure reliability, scalability, and a smooth user experience.</a:t>
+            </a:r>
+          </a:p>
+          <a:p>
+            <a:pPr marR="0" indent="0" algn="just">
+              <a:lnSpc>
+                <a:spcPct val="150000"/>
+              </a:lnSpc>
+              <a:spcBef>
+                <a:spcPts val="0"/>
+              </a:spcBef>
+              <a:spcAft>
+                <a:spcPts val="0"/>
+              </a:spcAft>
+              <a:buNone/>
             </a:pPr>
+            <a:r>
+              <a:rPr lang="en-US" sz="1800">
+                <a:effectLst/>
+                <a:latin typeface="Times New Roman" panose="02020603050405020304" pitchFamily="18" charset="0"/>
+                <a:ea typeface="Times New Roman" panose="02020603050405020304" pitchFamily="18" charset="0"/>
+              </a:rPr>
+              <a:t>Language </a:t>
+            </a:r>
             <a:r>
               <a:rPr lang="en-US" sz="1800" dirty="0">
                 <a:effectLst/>
                 <a:latin typeface="Times New Roman" panose="02020603050405020304" pitchFamily="18" charset="0"/>
                 <a:ea typeface="Times New Roman" panose="02020603050405020304" pitchFamily="18" charset="0"/>
               </a:rPr>
-              <a:t>The organization will reap significant benefits from the proposed system.</a:t>
-            </a:r>
-          </a:p>
-          <a:p>
-            <a:pPr marL="571500" indent="-571500">
-              <a:buFont typeface="+mj-lt"/>
-              <a:buAutoNum type="romanLcPeriod"/>
-            </a:pPr>
-            <a:r>
-              <a:rPr lang="en-US" sz="1800" dirty="0">
-                <a:effectLst/>
-                <a:latin typeface="Times New Roman" panose="02020603050405020304" pitchFamily="18" charset="0"/>
-                <a:ea typeface="Times New Roman" panose="02020603050405020304" pitchFamily="18" charset="0"/>
-              </a:rPr>
-              <a:t>The available resources are utilized effectively to deliver a high-quality system within the set timeline.</a:t>
-            </a:r>
-          </a:p>
-          <a:p>
-            <a:pPr marL="571500" indent="-571500">
-              <a:buFont typeface="+mj-lt"/>
-              <a:buAutoNum type="romanLcPeriod"/>
-            </a:pPr>
-            <a:endParaRPr lang="en-US" dirty="0"/>
-          </a:p>
-          <a:p>
-            <a:r>
-              <a:rPr lang="en-US" b="1" dirty="0">
-                <a:effectLst/>
-                <a:latin typeface="Times New Roman" panose="02020603050405020304" pitchFamily="18" charset="0"/>
-                <a:ea typeface="Times New Roman" panose="02020603050405020304" pitchFamily="18" charset="0"/>
-              </a:rPr>
-              <a:t>Economic</a:t>
-            </a:r>
-          </a:p>
-          <a:p>
-            <a:pPr marL="571500" indent="-571500">
-              <a:buFont typeface="+mj-lt"/>
-              <a:buAutoNum type="romanLcPeriod"/>
-            </a:pPr>
-            <a:r>
-              <a:rPr lang="en-US" sz="1800" dirty="0">
-                <a:effectLst/>
-                <a:latin typeface="Times New Roman" panose="02020603050405020304" pitchFamily="18" charset="0"/>
-                <a:ea typeface="Cambria" panose="02040503050406030204" pitchFamily="18" charset="0"/>
-              </a:rPr>
-              <a:t>The system offers cost-effectiveness.</a:t>
-            </a:r>
-          </a:p>
-          <a:p>
-            <a:pPr marL="571500" indent="-571500">
-              <a:buFont typeface="+mj-lt"/>
-              <a:buAutoNum type="romanLcPeriod"/>
-            </a:pPr>
-            <a:r>
-              <a:rPr lang="en-US" sz="1800" dirty="0">
-                <a:effectLst/>
-                <a:latin typeface="Times New Roman" panose="02020603050405020304" pitchFamily="18" charset="0"/>
-                <a:ea typeface="Cambria" panose="02040503050406030204" pitchFamily="18" charset="0"/>
-              </a:rPr>
-              <a:t>The streamlined resource management will lower the overall system cost.</a:t>
-            </a:r>
-          </a:p>
-          <a:p>
-            <a:pPr marL="571500" indent="-571500">
-              <a:buFont typeface="+mj-lt"/>
-              <a:buAutoNum type="romanLcPeriod"/>
-            </a:pPr>
-            <a:r>
-              <a:rPr lang="en-US" sz="1800" dirty="0">
-                <a:effectLst/>
-                <a:latin typeface="Times New Roman" panose="02020603050405020304" pitchFamily="18" charset="0"/>
-                <a:ea typeface="Cambria" panose="02040503050406030204" pitchFamily="18" charset="0"/>
-              </a:rPr>
-              <a:t>The advantages provided by the system will significantly outweigh its costs</a:t>
-            </a:r>
-          </a:p>
-          <a:p>
-            <a:pPr marL="571500" indent="-571500">
-              <a:buFont typeface="+mj-lt"/>
-              <a:buAutoNum type="romanLcPeriod"/>
-            </a:pPr>
-            <a:endParaRPr lang="en-US" b="1" dirty="0"/>
+              <a:t>used: MongoDB, Express.js, React.js, Node.js</a:t>
+            </a:r>
           </a:p>
         </p:txBody>
       </p:sp>
     </p:spTree>
     <p:extLst>
       <p:ext uri="{BB962C8B-B14F-4D97-AF65-F5344CB8AC3E}">
-        <p14:creationId xmlns:p14="http://schemas.microsoft.com/office/powerpoint/2010/main" val="2178850999"/>
+        <p14:creationId xmlns:p14="http://schemas.microsoft.com/office/powerpoint/2010/main" val="2413400753"/>
       </p:ext>
     </p:extLst>
   </p:cSld>
@@ -5342,7 +6721,7 @@
           <p:cNvPr id="2" name="Title 1">
             <a:extLst>
               <a:ext uri="{FF2B5EF4-FFF2-40B4-BE49-F238E27FC236}">
-                <a16:creationId xmlns:a16="http://schemas.microsoft.com/office/drawing/2014/main" id="{56FBD78A-B296-40EA-A17B-CA0D388D5223}"/>
+                <a16:creationId xmlns:a16="http://schemas.microsoft.com/office/drawing/2014/main" id="{71279041-0A21-406F-A43E-2CFCEF28B289}"/>
               </a:ext>
             </a:extLst>
           </p:cNvPr>
@@ -5363,50 +6742,167 @@
                 <a:latin typeface="Times New Roman" panose="02020603050405020304" pitchFamily="18" charset="0"/>
                 <a:cs typeface="Times New Roman" panose="02020603050405020304" pitchFamily="18" charset="0"/>
               </a:rPr>
-              <a:t>High Level Design of System</a:t>
-            </a:r>
-          </a:p>
-        </p:txBody>
-      </p:sp>
-      <p:pic>
-        <p:nvPicPr>
-          <p:cNvPr id="7" name="Content Placeholder 6">
-            <a:extLst>
-              <a:ext uri="{FF2B5EF4-FFF2-40B4-BE49-F238E27FC236}">
-                <a16:creationId xmlns:a16="http://schemas.microsoft.com/office/drawing/2014/main" id="{C688B0A7-4000-41B4-8775-3A55FDD20177}"/>
-              </a:ext>
-            </a:extLst>
-          </p:cNvPr>
-          <p:cNvPicPr>
-            <a:picLocks noGrp="1" noChangeAspect="1"/>
-          </p:cNvPicPr>
+              <a:t>Feasibility study</a:t>
+            </a:r>
+          </a:p>
+        </p:txBody>
+      </p:sp>
+      <p:sp>
+        <p:nvSpPr>
+          <p:cNvPr id="3" name="Content Placeholder 2">
+            <a:extLst>
+              <a:ext uri="{FF2B5EF4-FFF2-40B4-BE49-F238E27FC236}">
+                <a16:creationId xmlns:a16="http://schemas.microsoft.com/office/drawing/2014/main" id="{AB519440-C629-44C3-B2A0-445F758ECA01}"/>
+              </a:ext>
+            </a:extLst>
+          </p:cNvPr>
+          <p:cNvSpPr>
+            <a:spLocks noGrp="1"/>
+          </p:cNvSpPr>
           <p:nvPr>
             <p:ph idx="1"/>
           </p:nvPr>
-        </p:nvPicPr>
-        <p:blipFill>
-          <a:blip r:embed="rId2">
-            <a:extLst>
-              <a:ext uri="{28A0092B-C50C-407E-A947-70E740481C1C}">
-                <a14:useLocalDpi xmlns:a14="http://schemas.microsoft.com/office/drawing/2010/main" val="0"/>
-              </a:ext>
-            </a:extLst>
-          </a:blip>
-          <a:stretch>
-            <a:fillRect/>
-          </a:stretch>
-        </p:blipFill>
-        <p:spPr>
-          <a:xfrm>
-            <a:off x="3533797" y="1325562"/>
-            <a:ext cx="4807013" cy="5522191"/>
-          </a:xfrm>
-        </p:spPr>
-      </p:pic>
+        </p:nvSpPr>
+        <p:spPr/>
+        <p:txBody>
+          <a:bodyPr/>
+          <a:lstStyle/>
+          <a:p>
+            <a:r>
+              <a:rPr lang="en-US" b="1" dirty="0">
+                <a:latin typeface="Times New Roman" panose="02020603050405020304" pitchFamily="18" charset="0"/>
+                <a:cs typeface="Times New Roman" panose="02020603050405020304" pitchFamily="18" charset="0"/>
+              </a:rPr>
+              <a:t>Operational</a:t>
+            </a:r>
+          </a:p>
+          <a:p>
+            <a:pPr marL="571500" indent="-571500">
+              <a:buFont typeface="+mj-lt"/>
+              <a:buAutoNum type="romanLcPeriod"/>
+            </a:pPr>
+            <a:r>
+              <a:rPr lang="en-US" sz="1800" dirty="0">
+                <a:effectLst/>
+                <a:latin typeface="Times New Roman" panose="02020603050405020304" pitchFamily="18" charset="0"/>
+                <a:ea typeface="Times New Roman" panose="02020603050405020304" pitchFamily="18" charset="0"/>
+                <a:cs typeface="Times New Roman" panose="02020603050405020304" pitchFamily="18" charset="0"/>
+              </a:rPr>
+              <a:t>The existing operational model ensures efficient throughput and quick response times.</a:t>
+            </a:r>
+          </a:p>
+          <a:p>
+            <a:pPr marL="571500" indent="-571500">
+              <a:buFont typeface="+mj-lt"/>
+              <a:buAutoNum type="romanLcPeriod"/>
+            </a:pPr>
+            <a:r>
+              <a:rPr lang="en-US" sz="1800" dirty="0">
+                <a:effectLst/>
+                <a:latin typeface="Times New Roman" panose="02020603050405020304" pitchFamily="18" charset="0"/>
+                <a:ea typeface="Times New Roman" panose="02020603050405020304" pitchFamily="18" charset="0"/>
+                <a:cs typeface="Times New Roman" panose="02020603050405020304" pitchFamily="18" charset="0"/>
+              </a:rPr>
+              <a:t>The organization will reap significant benefits from the proposed system.</a:t>
+            </a:r>
+          </a:p>
+          <a:p>
+            <a:pPr marL="571500" indent="-571500">
+              <a:buFont typeface="+mj-lt"/>
+              <a:buAutoNum type="romanLcPeriod"/>
+            </a:pPr>
+            <a:r>
+              <a:rPr lang="en-US" sz="1800" dirty="0">
+                <a:effectLst/>
+                <a:latin typeface="Times New Roman" panose="02020603050405020304" pitchFamily="18" charset="0"/>
+                <a:ea typeface="Times New Roman" panose="02020603050405020304" pitchFamily="18" charset="0"/>
+                <a:cs typeface="Times New Roman" panose="02020603050405020304" pitchFamily="18" charset="0"/>
+              </a:rPr>
+              <a:t>The available resources are utilized effectively to deliver a high-quality system within the set timeline.</a:t>
+            </a:r>
+          </a:p>
+          <a:p>
+            <a:pPr marL="571500" indent="-571500">
+              <a:buFont typeface="+mj-lt"/>
+              <a:buAutoNum type="romanLcPeriod"/>
+            </a:pPr>
+            <a:endParaRPr lang="en-US" dirty="0">
+              <a:latin typeface="Times New Roman" panose="02020603050405020304" pitchFamily="18" charset="0"/>
+              <a:cs typeface="Times New Roman" panose="02020603050405020304" pitchFamily="18" charset="0"/>
+            </a:endParaRPr>
+          </a:p>
+          <a:p>
+            <a:r>
+              <a:rPr lang="en-US" b="1" dirty="0">
+                <a:effectLst/>
+                <a:latin typeface="Times New Roman" panose="02020603050405020304" pitchFamily="18" charset="0"/>
+                <a:ea typeface="Times New Roman" panose="02020603050405020304" pitchFamily="18" charset="0"/>
+                <a:cs typeface="Times New Roman" panose="02020603050405020304" pitchFamily="18" charset="0"/>
+              </a:rPr>
+              <a:t>Economic</a:t>
+            </a:r>
+          </a:p>
+          <a:p>
+            <a:pPr marL="571500" indent="-571500">
+              <a:buFont typeface="+mj-lt"/>
+              <a:buAutoNum type="romanLcPeriod"/>
+            </a:pPr>
+            <a:r>
+              <a:rPr lang="en-US" sz="1800" dirty="0">
+                <a:effectLst/>
+                <a:latin typeface="Times New Roman" panose="02020603050405020304" pitchFamily="18" charset="0"/>
+                <a:ea typeface="Cambria" panose="02040503050406030204" pitchFamily="18" charset="0"/>
+                <a:cs typeface="Times New Roman" panose="02020603050405020304" pitchFamily="18" charset="0"/>
+              </a:rPr>
+              <a:t>The system offers cost-effectiveness.</a:t>
+            </a:r>
+          </a:p>
+          <a:p>
+            <a:pPr marL="571500" indent="-571500">
+              <a:buFont typeface="+mj-lt"/>
+              <a:buAutoNum type="romanLcPeriod"/>
+            </a:pPr>
+            <a:r>
+              <a:rPr lang="en-US" sz="1800" dirty="0">
+                <a:effectLst/>
+                <a:latin typeface="Times New Roman" panose="02020603050405020304" pitchFamily="18" charset="0"/>
+                <a:ea typeface="Cambria" panose="02040503050406030204" pitchFamily="18" charset="0"/>
+                <a:cs typeface="Times New Roman" panose="02020603050405020304" pitchFamily="18" charset="0"/>
+              </a:rPr>
+              <a:t>The streamlined resource management will lower the overall system cost.</a:t>
+            </a:r>
+          </a:p>
+          <a:p>
+            <a:pPr marL="571500" indent="-571500">
+              <a:buFont typeface="+mj-lt"/>
+              <a:buAutoNum type="romanLcPeriod"/>
+            </a:pPr>
+            <a:r>
+              <a:rPr lang="en-US" sz="1800" dirty="0">
+                <a:effectLst/>
+                <a:latin typeface="Times New Roman" panose="02020603050405020304" pitchFamily="18" charset="0"/>
+                <a:ea typeface="Cambria" panose="02040503050406030204" pitchFamily="18" charset="0"/>
+                <a:cs typeface="Times New Roman" panose="02020603050405020304" pitchFamily="18" charset="0"/>
+              </a:rPr>
+              <a:t>The advantages provided by the system will significantly outweigh its costs</a:t>
+            </a:r>
+          </a:p>
+          <a:p>
+            <a:pPr marL="571500" indent="-571500">
+              <a:buFont typeface="+mj-lt"/>
+              <a:buAutoNum type="romanLcPeriod"/>
+            </a:pPr>
+            <a:endParaRPr lang="en-US" b="1" dirty="0">
+              <a:latin typeface="Times New Roman" panose="02020603050405020304" pitchFamily="18" charset="0"/>
+              <a:cs typeface="Times New Roman" panose="02020603050405020304" pitchFamily="18" charset="0"/>
+            </a:endParaRPr>
+          </a:p>
+        </p:txBody>
+      </p:sp>
     </p:spTree>
     <p:extLst>
       <p:ext uri="{BB962C8B-B14F-4D97-AF65-F5344CB8AC3E}">
-        <p14:creationId xmlns:p14="http://schemas.microsoft.com/office/powerpoint/2010/main" val="3678523221"/>
+        <p14:creationId xmlns:p14="http://schemas.microsoft.com/office/powerpoint/2010/main" val="2178850999"/>
       </p:ext>
     </p:extLst>
   </p:cSld>
